--- a/Office Docs/14 Handling errors.pptx
+++ b/Office Docs/14 Handling errors.pptx
@@ -5,39 +5,41 @@
     <p:sldMasterId id="2147483690" r:id="rId1"/>
   </p:sldMasterIdLst>
   <p:notesMasterIdLst>
-    <p:notesMasterId r:id="rId32"/>
+    <p:notesMasterId r:id="rId34"/>
   </p:notesMasterIdLst>
   <p:sldIdLst>
     <p:sldId id="256" r:id="rId2"/>
     <p:sldId id="280" r:id="rId3"/>
     <p:sldId id="257" r:id="rId4"/>
-    <p:sldId id="291" r:id="rId5"/>
-    <p:sldId id="294" r:id="rId6"/>
-    <p:sldId id="295" r:id="rId7"/>
-    <p:sldId id="314" r:id="rId8"/>
-    <p:sldId id="293" r:id="rId9"/>
-    <p:sldId id="296" r:id="rId10"/>
-    <p:sldId id="297" r:id="rId11"/>
-    <p:sldId id="315" r:id="rId12"/>
-    <p:sldId id="298" r:id="rId13"/>
-    <p:sldId id="299" r:id="rId14"/>
-    <p:sldId id="300" r:id="rId15"/>
-    <p:sldId id="301" r:id="rId16"/>
-    <p:sldId id="302" r:id="rId17"/>
-    <p:sldId id="303" r:id="rId18"/>
-    <p:sldId id="289" r:id="rId19"/>
-    <p:sldId id="310" r:id="rId20"/>
-    <p:sldId id="311" r:id="rId21"/>
-    <p:sldId id="312" r:id="rId22"/>
-    <p:sldId id="313" r:id="rId23"/>
-    <p:sldId id="304" r:id="rId24"/>
-    <p:sldId id="305" r:id="rId25"/>
-    <p:sldId id="306" r:id="rId26"/>
-    <p:sldId id="307" r:id="rId27"/>
-    <p:sldId id="308" r:id="rId28"/>
-    <p:sldId id="309" r:id="rId29"/>
-    <p:sldId id="287" r:id="rId30"/>
-    <p:sldId id="288" r:id="rId31"/>
+    <p:sldId id="316" r:id="rId5"/>
+    <p:sldId id="291" r:id="rId6"/>
+    <p:sldId id="294" r:id="rId7"/>
+    <p:sldId id="295" r:id="rId8"/>
+    <p:sldId id="314" r:id="rId9"/>
+    <p:sldId id="317" r:id="rId10"/>
+    <p:sldId id="293" r:id="rId11"/>
+    <p:sldId id="296" r:id="rId12"/>
+    <p:sldId id="297" r:id="rId13"/>
+    <p:sldId id="315" r:id="rId14"/>
+    <p:sldId id="298" r:id="rId15"/>
+    <p:sldId id="299" r:id="rId16"/>
+    <p:sldId id="300" r:id="rId17"/>
+    <p:sldId id="301" r:id="rId18"/>
+    <p:sldId id="302" r:id="rId19"/>
+    <p:sldId id="303" r:id="rId20"/>
+    <p:sldId id="289" r:id="rId21"/>
+    <p:sldId id="310" r:id="rId22"/>
+    <p:sldId id="311" r:id="rId23"/>
+    <p:sldId id="312" r:id="rId24"/>
+    <p:sldId id="313" r:id="rId25"/>
+    <p:sldId id="304" r:id="rId26"/>
+    <p:sldId id="305" r:id="rId27"/>
+    <p:sldId id="306" r:id="rId28"/>
+    <p:sldId id="307" r:id="rId29"/>
+    <p:sldId id="308" r:id="rId30"/>
+    <p:sldId id="309" r:id="rId31"/>
+    <p:sldId id="287" r:id="rId32"/>
+    <p:sldId id="288" r:id="rId33"/>
   </p:sldIdLst>
   <p:sldSz cx="12192000" cy="6858000"/>
   <p:notesSz cx="6858000" cy="9144000"/>
@@ -248,7 +250,7 @@
           <a:p>
             <a:fld id="{82CEBC7F-02DE-47A2-A407-FDB3BEF83CC0}" type="datetimeFigureOut">
               <a:rPr lang="en-CA" smtClean="0"/>
-              <a:t>2014-09-18</a:t>
+              <a:t>2014-09-24</a:t>
             </a:fld>
             <a:endParaRPr lang="en-CA"/>
           </a:p>
@@ -665,7 +667,7 @@
           <a:p>
             <a:fld id="{338A4D85-E449-4E7F-8A74-66A26455A406}" type="slidenum">
               <a:rPr lang="en-CA" smtClean="0"/>
-              <a:t>6</a:t>
+              <a:t>7</a:t>
             </a:fld>
             <a:endParaRPr lang="en-CA"/>
           </a:p>
@@ -759,7 +761,7 @@
           <a:p>
             <a:fld id="{338A4D85-E449-4E7F-8A74-66A26455A406}" type="slidenum">
               <a:rPr lang="en-CA" smtClean="0"/>
-              <a:t>14</a:t>
+              <a:t>16</a:t>
             </a:fld>
             <a:endParaRPr lang="en-CA"/>
           </a:p>
@@ -857,7 +859,7 @@
           <a:p>
             <a:fld id="{338A4D85-E449-4E7F-8A74-66A26455A406}" type="slidenum">
               <a:rPr lang="en-CA" smtClean="0"/>
-              <a:t>15</a:t>
+              <a:t>17</a:t>
             </a:fld>
             <a:endParaRPr lang="en-CA"/>
           </a:p>
@@ -951,7 +953,7 @@
           <a:p>
             <a:fld id="{338A4D85-E449-4E7F-8A74-66A26455A406}" type="slidenum">
               <a:rPr lang="en-CA" smtClean="0"/>
-              <a:t>16</a:t>
+              <a:t>18</a:t>
             </a:fld>
             <a:endParaRPr lang="en-CA"/>
           </a:p>
@@ -1045,7 +1047,7 @@
           <a:p>
             <a:fld id="{338A4D85-E449-4E7F-8A74-66A26455A406}" type="slidenum">
               <a:rPr lang="en-CA" smtClean="0"/>
-              <a:t>17</a:t>
+              <a:t>19</a:t>
             </a:fld>
             <a:endParaRPr lang="en-CA"/>
           </a:p>
@@ -1139,7 +1141,7 @@
           <a:p>
             <a:fld id="{338A4D85-E449-4E7F-8A74-66A26455A406}" type="slidenum">
               <a:rPr lang="en-CA" smtClean="0"/>
-              <a:t>19</a:t>
+              <a:t>21</a:t>
             </a:fld>
             <a:endParaRPr lang="en-CA"/>
           </a:p>
@@ -1769,7 +1771,7 @@
           <a:p>
             <a:fld id="{B8AE8910-8D76-47D3-A240-526DD3CA8A5E}" type="datetimeFigureOut">
               <a:rPr lang="en-CA" smtClean="0"/>
-              <a:t>2014-09-18</a:t>
+              <a:t>2014-09-24</a:t>
             </a:fld>
             <a:endParaRPr lang="en-CA"/>
           </a:p>
@@ -4181,6 +4183,436 @@
           <a:p>
             <a:r>
               <a:rPr lang="en-CA" dirty="0" smtClean="0"/>
+              <a:t>Runtime errors occur when the code basically works but something out of the ordinary ‘crashes’ the code</a:t>
+            </a:r>
+            <a:endParaRPr lang="en-US" dirty="0"/>
+          </a:p>
+        </p:txBody>
+      </p:sp>
+      <p:sp>
+        <p:nvSpPr>
+          <p:cNvPr id="3" name="Content Placeholder 2"/>
+          <p:cNvSpPr>
+            <a:spLocks noGrp="1"/>
+          </p:cNvSpPr>
+          <p:nvPr>
+            <p:ph sz="quarter" idx="10"/>
+          </p:nvPr>
+        </p:nvSpPr>
+        <p:spPr/>
+        <p:txBody>
+          <a:bodyPr/>
+          <a:lstStyle/>
+          <a:p>
+            <a:r>
+              <a:rPr lang="en-CA" dirty="0" smtClean="0"/>
+              <a:t>You write a calculator program and a user tries to divide a number by zero</a:t>
+            </a:r>
+          </a:p>
+          <a:p>
+            <a:r>
+              <a:rPr lang="en-CA" dirty="0" smtClean="0"/>
+              <a:t>Your program tries to read a file, and the file is missing</a:t>
+            </a:r>
+          </a:p>
+          <a:p>
+            <a:r>
+              <a:rPr lang="en-CA" dirty="0" smtClean="0"/>
+              <a:t>Your program is trying to perform a date calculation and the date provided is in the wrong format</a:t>
+            </a:r>
+            <a:endParaRPr lang="en-US" dirty="0"/>
+          </a:p>
+        </p:txBody>
+      </p:sp>
+    </p:spTree>
+    <p:extLst>
+      <p:ext uri="{BB962C8B-B14F-4D97-AF65-F5344CB8AC3E}">
+        <p14:creationId xmlns:p14="http://schemas.microsoft.com/office/powerpoint/2010/main" val="3868239994"/>
+      </p:ext>
+    </p:extLst>
+  </p:cSld>
+  <p:clrMapOvr>
+    <a:masterClrMapping/>
+  </p:clrMapOvr>
+  <p:timing>
+    <p:tnLst>
+      <p:par>
+        <p:cTn id="1" dur="indefinite" restart="never" nodeType="tmRoot">
+          <p:childTnLst>
+            <p:seq concurrent="1" nextAc="seek">
+              <p:cTn id="2" dur="indefinite" nodeType="mainSeq">
+                <p:childTnLst>
+                  <p:par>
+                    <p:cTn id="3" fill="hold">
+                      <p:stCondLst>
+                        <p:cond delay="indefinite"/>
+                      </p:stCondLst>
+                      <p:childTnLst>
+                        <p:par>
+                          <p:cTn id="4" fill="hold">
+                            <p:stCondLst>
+                              <p:cond delay="0"/>
+                            </p:stCondLst>
+                            <p:childTnLst>
+                              <p:par>
+                                <p:cTn id="5" presetID="1" presetClass="entr" presetSubtype="0" fill="hold" grpId="0" nodeType="clickEffect">
+                                  <p:stCondLst>
+                                    <p:cond delay="0"/>
+                                  </p:stCondLst>
+                                  <p:childTnLst>
+                                    <p:set>
+                                      <p:cBhvr>
+                                        <p:cTn id="6" dur="1" fill="hold">
+                                          <p:stCondLst>
+                                            <p:cond delay="0"/>
+                                          </p:stCondLst>
+                                        </p:cTn>
+                                        <p:tgtEl>
+                                          <p:spTgt spid="3">
+                                            <p:txEl>
+                                              <p:pRg st="0" end="0"/>
+                                            </p:txEl>
+                                          </p:spTgt>
+                                        </p:tgtEl>
+                                        <p:attrNameLst>
+                                          <p:attrName>style.visibility</p:attrName>
+                                        </p:attrNameLst>
+                                      </p:cBhvr>
+                                      <p:to>
+                                        <p:strVal val="visible"/>
+                                      </p:to>
+                                    </p:set>
+                                  </p:childTnLst>
+                                </p:cTn>
+                              </p:par>
+                            </p:childTnLst>
+                          </p:cTn>
+                        </p:par>
+                      </p:childTnLst>
+                    </p:cTn>
+                  </p:par>
+                  <p:par>
+                    <p:cTn id="7" fill="hold">
+                      <p:stCondLst>
+                        <p:cond delay="indefinite"/>
+                      </p:stCondLst>
+                      <p:childTnLst>
+                        <p:par>
+                          <p:cTn id="8" fill="hold">
+                            <p:stCondLst>
+                              <p:cond delay="0"/>
+                            </p:stCondLst>
+                            <p:childTnLst>
+                              <p:par>
+                                <p:cTn id="9" presetID="1" presetClass="entr" presetSubtype="0" fill="hold" grpId="0" nodeType="clickEffect">
+                                  <p:stCondLst>
+                                    <p:cond delay="0"/>
+                                  </p:stCondLst>
+                                  <p:childTnLst>
+                                    <p:set>
+                                      <p:cBhvr>
+                                        <p:cTn id="10" dur="1" fill="hold">
+                                          <p:stCondLst>
+                                            <p:cond delay="0"/>
+                                          </p:stCondLst>
+                                        </p:cTn>
+                                        <p:tgtEl>
+                                          <p:spTgt spid="3">
+                                            <p:txEl>
+                                              <p:pRg st="1" end="1"/>
+                                            </p:txEl>
+                                          </p:spTgt>
+                                        </p:tgtEl>
+                                        <p:attrNameLst>
+                                          <p:attrName>style.visibility</p:attrName>
+                                        </p:attrNameLst>
+                                      </p:cBhvr>
+                                      <p:to>
+                                        <p:strVal val="visible"/>
+                                      </p:to>
+                                    </p:set>
+                                  </p:childTnLst>
+                                </p:cTn>
+                              </p:par>
+                            </p:childTnLst>
+                          </p:cTn>
+                        </p:par>
+                      </p:childTnLst>
+                    </p:cTn>
+                  </p:par>
+                  <p:par>
+                    <p:cTn id="11" fill="hold">
+                      <p:stCondLst>
+                        <p:cond delay="indefinite"/>
+                      </p:stCondLst>
+                      <p:childTnLst>
+                        <p:par>
+                          <p:cTn id="12" fill="hold">
+                            <p:stCondLst>
+                              <p:cond delay="0"/>
+                            </p:stCondLst>
+                            <p:childTnLst>
+                              <p:par>
+                                <p:cTn id="13" presetID="1" presetClass="entr" presetSubtype="0" fill="hold" grpId="0" nodeType="clickEffect">
+                                  <p:stCondLst>
+                                    <p:cond delay="0"/>
+                                  </p:stCondLst>
+                                  <p:childTnLst>
+                                    <p:set>
+                                      <p:cBhvr>
+                                        <p:cTn id="14" dur="1" fill="hold">
+                                          <p:stCondLst>
+                                            <p:cond delay="0"/>
+                                          </p:stCondLst>
+                                        </p:cTn>
+                                        <p:tgtEl>
+                                          <p:spTgt spid="3">
+                                            <p:txEl>
+                                              <p:pRg st="2" end="2"/>
+                                            </p:txEl>
+                                          </p:spTgt>
+                                        </p:tgtEl>
+                                        <p:attrNameLst>
+                                          <p:attrName>style.visibility</p:attrName>
+                                        </p:attrNameLst>
+                                      </p:cBhvr>
+                                      <p:to>
+                                        <p:strVal val="visible"/>
+                                      </p:to>
+                                    </p:set>
+                                  </p:childTnLst>
+                                </p:cTn>
+                              </p:par>
+                            </p:childTnLst>
+                          </p:cTn>
+                        </p:par>
+                      </p:childTnLst>
+                    </p:cTn>
+                  </p:par>
+                </p:childTnLst>
+              </p:cTn>
+              <p:prevCondLst>
+                <p:cond evt="onPrev" delay="0">
+                  <p:tgtEl>
+                    <p:sldTgt/>
+                  </p:tgtEl>
+                </p:cond>
+              </p:prevCondLst>
+              <p:nextCondLst>
+                <p:cond evt="onNext" delay="0">
+                  <p:tgtEl>
+                    <p:sldTgt/>
+                  </p:tgtEl>
+                </p:cond>
+              </p:nextCondLst>
+            </p:seq>
+          </p:childTnLst>
+        </p:cTn>
+      </p:par>
+    </p:tnLst>
+    <p:bldLst>
+      <p:bldP spid="3" grpId="0" build="p"/>
+    </p:bldLst>
+  </p:timing>
+</p:sld>
+</file>
+
+<file path=ppt/slides/slide11.xml><?xml version="1.0" encoding="utf-8"?>
+<p:sld xmlns:a="http://schemas.openxmlformats.org/drawingml/2006/main" xmlns:r="http://schemas.openxmlformats.org/officeDocument/2006/relationships" xmlns:p="http://schemas.openxmlformats.org/presentationml/2006/main">
+  <p:cSld>
+    <p:spTree>
+      <p:nvGrpSpPr>
+        <p:cNvPr id="1" name=""/>
+        <p:cNvGrpSpPr/>
+        <p:nvPr/>
+      </p:nvGrpSpPr>
+      <p:grpSpPr>
+        <a:xfrm>
+          <a:off x="0" y="0"/>
+          <a:ext cx="0" cy="0"/>
+          <a:chOff x="0" y="0"/>
+          <a:chExt cx="0" cy="0"/>
+        </a:xfrm>
+      </p:grpSpPr>
+      <p:sp>
+        <p:nvSpPr>
+          <p:cNvPr id="2" name="Title 1"/>
+          <p:cNvSpPr>
+            <a:spLocks noGrp="1"/>
+          </p:cNvSpPr>
+          <p:nvPr>
+            <p:ph type="title"/>
+          </p:nvPr>
+        </p:nvSpPr>
+        <p:spPr/>
+        <p:txBody>
+          <a:bodyPr>
+            <a:normAutofit fontScale="90000"/>
+          </a:bodyPr>
+          <a:lstStyle/>
+          <a:p>
+            <a:r>
+              <a:rPr lang="en-CA" dirty="0" smtClean="0"/>
+              <a:t>Having your code crash is a very poor experience for the user</a:t>
+            </a:r>
+            <a:endParaRPr lang="en-US" dirty="0"/>
+          </a:p>
+        </p:txBody>
+      </p:sp>
+      <p:sp>
+        <p:nvSpPr>
+          <p:cNvPr id="3" name="Content Placeholder 2"/>
+          <p:cNvSpPr>
+            <a:spLocks noGrp="1"/>
+          </p:cNvSpPr>
+          <p:nvPr>
+            <p:ph sz="quarter" idx="10"/>
+          </p:nvPr>
+        </p:nvSpPr>
+        <p:spPr/>
+        <p:txBody>
+          <a:bodyPr/>
+          <a:lstStyle/>
+          <a:p>
+            <a:r>
+              <a:rPr lang="en-CA" dirty="0" smtClean="0"/>
+              <a:t>You can add error handling to your code to handle runtime errors gracefully</a:t>
+            </a:r>
+            <a:endParaRPr lang="en-US" dirty="0"/>
+          </a:p>
+        </p:txBody>
+      </p:sp>
+    </p:spTree>
+    <p:extLst>
+      <p:ext uri="{BB962C8B-B14F-4D97-AF65-F5344CB8AC3E}">
+        <p14:creationId xmlns:p14="http://schemas.microsoft.com/office/powerpoint/2010/main" val="3882260877"/>
+      </p:ext>
+    </p:extLst>
+  </p:cSld>
+  <p:clrMapOvr>
+    <a:masterClrMapping/>
+  </p:clrMapOvr>
+  <p:timing>
+    <p:tnLst>
+      <p:par>
+        <p:cTn id="1" dur="indefinite" restart="never" nodeType="tmRoot">
+          <p:childTnLst>
+            <p:seq concurrent="1" nextAc="seek">
+              <p:cTn id="2" dur="indefinite" nodeType="mainSeq">
+                <p:childTnLst>
+                  <p:par>
+                    <p:cTn id="3" fill="hold">
+                      <p:stCondLst>
+                        <p:cond delay="indefinite"/>
+                      </p:stCondLst>
+                      <p:childTnLst>
+                        <p:par>
+                          <p:cTn id="4" fill="hold">
+                            <p:stCondLst>
+                              <p:cond delay="0"/>
+                            </p:stCondLst>
+                            <p:childTnLst>
+                              <p:par>
+                                <p:cTn id="5" presetID="1" presetClass="entr" presetSubtype="0" fill="hold" grpId="0" nodeType="clickEffect">
+                                  <p:stCondLst>
+                                    <p:cond delay="0"/>
+                                  </p:stCondLst>
+                                  <p:childTnLst>
+                                    <p:set>
+                                      <p:cBhvr>
+                                        <p:cTn id="6" dur="1" fill="hold">
+                                          <p:stCondLst>
+                                            <p:cond delay="0"/>
+                                          </p:stCondLst>
+                                        </p:cTn>
+                                        <p:tgtEl>
+                                          <p:spTgt spid="3">
+                                            <p:txEl>
+                                              <p:pRg st="0" end="0"/>
+                                            </p:txEl>
+                                          </p:spTgt>
+                                        </p:tgtEl>
+                                        <p:attrNameLst>
+                                          <p:attrName>style.visibility</p:attrName>
+                                        </p:attrNameLst>
+                                      </p:cBhvr>
+                                      <p:to>
+                                        <p:strVal val="visible"/>
+                                      </p:to>
+                                    </p:set>
+                                  </p:childTnLst>
+                                </p:cTn>
+                              </p:par>
+                            </p:childTnLst>
+                          </p:cTn>
+                        </p:par>
+                      </p:childTnLst>
+                    </p:cTn>
+                  </p:par>
+                </p:childTnLst>
+              </p:cTn>
+              <p:prevCondLst>
+                <p:cond evt="onPrev" delay="0">
+                  <p:tgtEl>
+                    <p:sldTgt/>
+                  </p:tgtEl>
+                </p:cond>
+              </p:prevCondLst>
+              <p:nextCondLst>
+                <p:cond evt="onNext" delay="0">
+                  <p:tgtEl>
+                    <p:sldTgt/>
+                  </p:tgtEl>
+                </p:cond>
+              </p:nextCondLst>
+            </p:seq>
+          </p:childTnLst>
+        </p:cTn>
+      </p:par>
+    </p:tnLst>
+    <p:bldLst>
+      <p:bldP spid="3" grpId="0" build="p"/>
+    </p:bldLst>
+  </p:timing>
+</p:sld>
+</file>
+
+<file path=ppt/slides/slide12.xml><?xml version="1.0" encoding="utf-8"?>
+<p:sld xmlns:a="http://schemas.openxmlformats.org/drawingml/2006/main" xmlns:r="http://schemas.openxmlformats.org/officeDocument/2006/relationships" xmlns:p="http://schemas.openxmlformats.org/presentationml/2006/main">
+  <p:cSld>
+    <p:spTree>
+      <p:nvGrpSpPr>
+        <p:cNvPr id="1" name=""/>
+        <p:cNvGrpSpPr/>
+        <p:nvPr/>
+      </p:nvGrpSpPr>
+      <p:grpSpPr>
+        <a:xfrm>
+          <a:off x="0" y="0"/>
+          <a:ext cx="0" cy="0"/>
+          <a:chOff x="0" y="0"/>
+          <a:chExt cx="0" cy="0"/>
+        </a:xfrm>
+      </p:grpSpPr>
+      <p:sp>
+        <p:nvSpPr>
+          <p:cNvPr id="2" name="Title 1"/>
+          <p:cNvSpPr>
+            <a:spLocks noGrp="1"/>
+          </p:cNvSpPr>
+          <p:nvPr>
+            <p:ph type="title"/>
+          </p:nvPr>
+        </p:nvSpPr>
+        <p:spPr/>
+        <p:txBody>
+          <a:bodyPr>
+            <a:normAutofit fontScale="90000"/>
+          </a:bodyPr>
+          <a:lstStyle/>
+          <a:p>
+            <a:r>
+              <a:rPr lang="en-CA" dirty="0" smtClean="0"/>
               <a:t>Let’s create a calculator program that will take two numbers and divide them for the user</a:t>
             </a:r>
             <a:endParaRPr lang="en-US" dirty="0"/>
@@ -5147,7 +5579,7 @@
 </p:sld>
 </file>
 
-<file path=ppt/slides/slide11.xml><?xml version="1.0" encoding="utf-8"?>
+<file path=ppt/slides/slide13.xml><?xml version="1.0" encoding="utf-8"?>
 <p:sld xmlns:a="http://schemas.openxmlformats.org/drawingml/2006/main" xmlns:r="http://schemas.openxmlformats.org/officeDocument/2006/relationships" xmlns:p="http://schemas.openxmlformats.org/presentationml/2006/main">
   <p:cSld>
     <p:spTree>
@@ -5200,7 +5632,7 @@
 </p:sld>
 </file>
 
-<file path=ppt/slides/slide12.xml><?xml version="1.0" encoding="utf-8"?>
+<file path=ppt/slides/slide14.xml><?xml version="1.0" encoding="utf-8"?>
 <p:sld xmlns:a="http://schemas.openxmlformats.org/drawingml/2006/main" xmlns:r="http://schemas.openxmlformats.org/officeDocument/2006/relationships" xmlns:p="http://schemas.openxmlformats.org/presentationml/2006/main">
   <p:cSld>
     <p:spTree>
@@ -5594,7 +6026,7 @@
 </p:sld>
 </file>
 
-<file path=ppt/slides/slide13.xml><?xml version="1.0" encoding="utf-8"?>
+<file path=ppt/slides/slide15.xml><?xml version="1.0" encoding="utf-8"?>
 <p:sld xmlns:a="http://schemas.openxmlformats.org/drawingml/2006/main" xmlns:r="http://schemas.openxmlformats.org/officeDocument/2006/relationships" xmlns:p="http://schemas.openxmlformats.org/presentationml/2006/main">
   <p:cSld>
     <p:spTree>
@@ -6384,7 +6816,7 @@
 </p:sld>
 </file>
 
-<file path=ppt/slides/slide14.xml><?xml version="1.0" encoding="utf-8"?>
+<file path=ppt/slides/slide16.xml><?xml version="1.0" encoding="utf-8"?>
 <p:sld xmlns:a="http://schemas.openxmlformats.org/drawingml/2006/main" xmlns:r="http://schemas.openxmlformats.org/officeDocument/2006/relationships" xmlns:p="http://schemas.openxmlformats.org/presentationml/2006/main">
   <p:cSld>
     <p:spTree>
@@ -7483,7 +7915,7 @@
 </p:sld>
 </file>
 
-<file path=ppt/slides/slide15.xml><?xml version="1.0" encoding="utf-8"?>
+<file path=ppt/slides/slide17.xml><?xml version="1.0" encoding="utf-8"?>
 <p:sld xmlns:a="http://schemas.openxmlformats.org/drawingml/2006/main" xmlns:r="http://schemas.openxmlformats.org/officeDocument/2006/relationships" xmlns:p="http://schemas.openxmlformats.org/presentationml/2006/main">
   <p:cSld>
     <p:spTree>
@@ -8720,7 +9152,7 @@
 </p:sld>
 </file>
 
-<file path=ppt/slides/slide16.xml><?xml version="1.0" encoding="utf-8"?>
+<file path=ppt/slides/slide18.xml><?xml version="1.0" encoding="utf-8"?>
 <p:sld xmlns:a="http://schemas.openxmlformats.org/drawingml/2006/main" xmlns:r="http://schemas.openxmlformats.org/officeDocument/2006/relationships" xmlns:p="http://schemas.openxmlformats.org/presentationml/2006/main">
   <p:cSld>
     <p:spTree>
@@ -9685,7 +10117,7 @@
 </p:sld>
 </file>
 
-<file path=ppt/slides/slide17.xml><?xml version="1.0" encoding="utf-8"?>
+<file path=ppt/slides/slide19.xml><?xml version="1.0" encoding="utf-8"?>
 <p:sld xmlns:a="http://schemas.openxmlformats.org/drawingml/2006/main" xmlns:r="http://schemas.openxmlformats.org/officeDocument/2006/relationships" xmlns:p="http://schemas.openxmlformats.org/presentationml/2006/main">
   <p:cSld>
     <p:spTree>
@@ -10648,1167 +11080,6 @@
     <p:extLst>
       <p:ext uri="{BB962C8B-B14F-4D97-AF65-F5344CB8AC3E}">
         <p14:creationId xmlns:p14="http://schemas.microsoft.com/office/powerpoint/2010/main" val="946528673"/>
-      </p:ext>
-    </p:extLst>
-  </p:cSld>
-  <p:clrMapOvr>
-    <a:masterClrMapping/>
-  </p:clrMapOvr>
-  <p:timing>
-    <p:tnLst>
-      <p:par>
-        <p:cTn id="1" dur="indefinite" restart="never" nodeType="tmRoot">
-          <p:childTnLst>
-            <p:seq concurrent="1" nextAc="seek">
-              <p:cTn id="2" dur="indefinite" nodeType="mainSeq">
-                <p:childTnLst>
-                  <p:par>
-                    <p:cTn id="3" fill="hold">
-                      <p:stCondLst>
-                        <p:cond delay="indefinite"/>
-                      </p:stCondLst>
-                      <p:childTnLst>
-                        <p:par>
-                          <p:cTn id="4" fill="hold">
-                            <p:stCondLst>
-                              <p:cond delay="0"/>
-                            </p:stCondLst>
-                            <p:childTnLst>
-                              <p:par>
-                                <p:cTn id="5" presetID="1" presetClass="entr" presetSubtype="0" fill="hold" grpId="0" nodeType="clickEffect">
-                                  <p:stCondLst>
-                                    <p:cond delay="0"/>
-                                  </p:stCondLst>
-                                  <p:childTnLst>
-                                    <p:set>
-                                      <p:cBhvr>
-                                        <p:cTn id="6" dur="1" fill="hold">
-                                          <p:stCondLst>
-                                            <p:cond delay="0"/>
-                                          </p:stCondLst>
-                                        </p:cTn>
-                                        <p:tgtEl>
-                                          <p:spTgt spid="8"/>
-                                        </p:tgtEl>
-                                        <p:attrNameLst>
-                                          <p:attrName>style.visibility</p:attrName>
-                                        </p:attrNameLst>
-                                      </p:cBhvr>
-                                      <p:to>
-                                        <p:strVal val="visible"/>
-                                      </p:to>
-                                    </p:set>
-                                  </p:childTnLst>
-                                </p:cTn>
-                              </p:par>
-                            </p:childTnLst>
-                          </p:cTn>
-                        </p:par>
-                      </p:childTnLst>
-                    </p:cTn>
-                  </p:par>
-                </p:childTnLst>
-              </p:cTn>
-              <p:prevCondLst>
-                <p:cond evt="onPrev" delay="0">
-                  <p:tgtEl>
-                    <p:sldTgt/>
-                  </p:tgtEl>
-                </p:cond>
-              </p:prevCondLst>
-              <p:nextCondLst>
-                <p:cond evt="onNext" delay="0">
-                  <p:tgtEl>
-                    <p:sldTgt/>
-                  </p:tgtEl>
-                </p:cond>
-              </p:nextCondLst>
-            </p:seq>
-          </p:childTnLst>
-        </p:cTn>
-      </p:par>
-    </p:tnLst>
-    <p:bldLst>
-      <p:bldP spid="8" grpId="0" animBg="1"/>
-    </p:bldLst>
-  </p:timing>
-</p:sld>
-</file>
-
-<file path=ppt/slides/slide18.xml><?xml version="1.0" encoding="utf-8"?>
-<p:sld xmlns:a="http://schemas.openxmlformats.org/drawingml/2006/main" xmlns:r="http://schemas.openxmlformats.org/officeDocument/2006/relationships" xmlns:p="http://schemas.openxmlformats.org/presentationml/2006/main">
-  <p:cSld>
-    <p:spTree>
-      <p:nvGrpSpPr>
-        <p:cNvPr id="1" name=""/>
-        <p:cNvGrpSpPr/>
-        <p:nvPr/>
-      </p:nvGrpSpPr>
-      <p:grpSpPr>
-        <a:xfrm>
-          <a:off x="0" y="0"/>
-          <a:ext cx="0" cy="0"/>
-          <a:chOff x="0" y="0"/>
-          <a:chExt cx="0" cy="0"/>
-        </a:xfrm>
-      </p:grpSpPr>
-      <p:sp>
-        <p:nvSpPr>
-          <p:cNvPr id="4" name="Title 3"/>
-          <p:cNvSpPr>
-            <a:spLocks noGrp="1"/>
-          </p:cNvSpPr>
-          <p:nvPr>
-            <p:ph type="title"/>
-          </p:nvPr>
-        </p:nvSpPr>
-        <p:spPr/>
-        <p:txBody>
-          <a:bodyPr/>
-          <a:lstStyle/>
-          <a:p>
-            <a:r>
-              <a:rPr lang="en-CA" dirty="0" smtClean="0"/>
-              <a:t>Trapping errors</a:t>
-            </a:r>
-            <a:endParaRPr lang="en-US" dirty="0"/>
-          </a:p>
-        </p:txBody>
-      </p:sp>
-    </p:spTree>
-    <p:extLst>
-      <p:ext uri="{BB962C8B-B14F-4D97-AF65-F5344CB8AC3E}">
-        <p14:creationId xmlns:p14="http://schemas.microsoft.com/office/powerpoint/2010/main" val="1690864381"/>
-      </p:ext>
-    </p:extLst>
-  </p:cSld>
-  <p:clrMapOvr>
-    <a:masterClrMapping/>
-  </p:clrMapOvr>
-  <p:timing>
-    <p:tnLst>
-      <p:par>
-        <p:cTn id="1" dur="indefinite" restart="never" nodeType="tmRoot"/>
-      </p:par>
-    </p:tnLst>
-  </p:timing>
-</p:sld>
-</file>
-
-<file path=ppt/slides/slide19.xml><?xml version="1.0" encoding="utf-8"?>
-<p:sld xmlns:a="http://schemas.openxmlformats.org/drawingml/2006/main" xmlns:r="http://schemas.openxmlformats.org/officeDocument/2006/relationships" xmlns:p="http://schemas.openxmlformats.org/presentationml/2006/main">
-  <p:cSld>
-    <p:spTree>
-      <p:nvGrpSpPr>
-        <p:cNvPr id="1" name=""/>
-        <p:cNvGrpSpPr/>
-        <p:nvPr/>
-      </p:nvGrpSpPr>
-      <p:grpSpPr>
-        <a:xfrm>
-          <a:off x="0" y="0"/>
-          <a:ext cx="0" cy="0"/>
-          <a:chOff x="0" y="0"/>
-          <a:chExt cx="0" cy="0"/>
-        </a:xfrm>
-      </p:grpSpPr>
-      <p:sp>
-        <p:nvSpPr>
-          <p:cNvPr id="2" name="Title 1"/>
-          <p:cNvSpPr>
-            <a:spLocks noGrp="1"/>
-          </p:cNvSpPr>
-          <p:nvPr>
-            <p:ph type="title"/>
-          </p:nvPr>
-        </p:nvSpPr>
-        <p:spPr/>
-        <p:txBody>
-          <a:bodyPr>
-            <a:normAutofit fontScale="90000"/>
-          </a:bodyPr>
-          <a:lstStyle/>
-          <a:p>
-            <a:r>
-              <a:rPr lang="en-CA" dirty="0" smtClean="0"/>
-              <a:t>Any code you place after the try except will always execute</a:t>
-            </a:r>
-            <a:endParaRPr lang="en-US" dirty="0"/>
-          </a:p>
-        </p:txBody>
-      </p:sp>
-      <p:sp>
-        <p:nvSpPr>
-          <p:cNvPr id="4" name="Rectangle 1"/>
-          <p:cNvSpPr>
-            <a:spLocks noGrp="1" noChangeArrowheads="1"/>
-          </p:cNvSpPr>
-          <p:nvPr>
-            <p:ph sz="quarter" idx="10"/>
-          </p:nvPr>
-        </p:nvSpPr>
-        <p:spPr bwMode="auto">
-          <a:xfrm>
-            <a:off x="379514" y="1245702"/>
-            <a:ext cx="9943748" cy="5262979"/>
-          </a:xfrm>
-          <a:prstGeom prst="rect">
-            <a:avLst/>
-          </a:prstGeom>
-          <a:solidFill>
-            <a:srgbClr val="FFFFFF"/>
-          </a:solidFill>
-          <a:ln>
-            <a:noFill/>
-          </a:ln>
-          <a:effectLst/>
-          <a:extLst>
-            <a:ext uri="{91240B29-F687-4F45-9708-019B960494DF}">
-              <a14:hiddenLine xmlns:a14="http://schemas.microsoft.com/office/drawing/2010/main" w="9525">
-                <a:solidFill>
-                  <a:schemeClr val="tx1"/>
-                </a:solidFill>
-                <a:miter lim="800000"/>
-                <a:headEnd/>
-                <a:tailEnd/>
-              </a14:hiddenLine>
-            </a:ext>
-            <a:ext uri="{AF507438-7753-43E0-B8FC-AC1667EBCBE1}">
-              <a14:hiddenEffects xmlns:a14="http://schemas.microsoft.com/office/drawing/2010/main">
-                <a:effectLst>
-                  <a:outerShdw dist="35921" dir="2700000" algn="ctr" rotWithShape="0">
-                    <a:schemeClr val="bg2"/>
-                  </a:outerShdw>
-                </a:effectLst>
-              </a14:hiddenEffects>
-            </a:ext>
-          </a:extLst>
-        </p:spPr>
-        <p:txBody>
-          <a:bodyPr vert="horz" wrap="none" lIns="91440" tIns="45720" rIns="91440" bIns="45720" numCol="1" anchor="ctr" anchorCtr="0" compatLnSpc="1">
-            <a:prstTxWarp prst="textNoShape">
-              <a:avLst/>
-            </a:prstTxWarp>
-            <a:spAutoFit/>
-          </a:bodyPr>
-          <a:lstStyle/>
-          <a:p>
-            <a:pPr marL="0" marR="0" lvl="0" indent="0" algn="l" defTabSz="914400" rtl="0" eaLnBrk="0" fontAlgn="base" latinLnBrk="0" hangingPunct="0">
-              <a:lnSpc>
-                <a:spcPct val="100000"/>
-              </a:lnSpc>
-              <a:spcBef>
-                <a:spcPct val="0"/>
-              </a:spcBef>
-              <a:spcAft>
-                <a:spcPct val="0"/>
-              </a:spcAft>
-              <a:buClrTx/>
-              <a:buSzTx/>
-              <a:buFontTx/>
-              <a:buNone/>
-              <a:tabLst/>
-            </a:pPr>
-            <a:r>
-              <a:rPr kumimoji="0" lang="en-US" altLang="en-US" sz="2400" b="0" i="0" u="none" strike="noStrike" cap="none" normalizeH="0" baseline="0" dirty="0" smtClean="0">
-                <a:ln>
-                  <a:noFill/>
-                </a:ln>
-                <a:solidFill>
-                  <a:srgbClr val="000000"/>
-                </a:solidFill>
-                <a:effectLst/>
-                <a:latin typeface="Consolas" panose="020B0609020204030204" pitchFamily="49" charset="0"/>
-                <a:cs typeface="Consolas" panose="020B0609020204030204" pitchFamily="49" charset="0"/>
-              </a:rPr>
-              <a:t>first = input(</a:t>
-            </a:r>
-            <a:r>
-              <a:rPr kumimoji="0" lang="en-US" altLang="en-US" sz="2400" b="0" i="0" u="none" strike="noStrike" cap="none" normalizeH="0" baseline="0" dirty="0" smtClean="0">
-                <a:ln>
-                  <a:noFill/>
-                </a:ln>
-                <a:solidFill>
-                  <a:srgbClr val="A31515"/>
-                </a:solidFill>
-                <a:effectLst/>
-                <a:latin typeface="Consolas" panose="020B0609020204030204" pitchFamily="49" charset="0"/>
-                <a:cs typeface="Consolas" panose="020B0609020204030204" pitchFamily="49" charset="0"/>
-              </a:rPr>
-              <a:t>"Enter the first number "</a:t>
-            </a:r>
-            <a:r>
-              <a:rPr kumimoji="0" lang="en-US" altLang="en-US" sz="2400" b="0" i="0" u="none" strike="noStrike" cap="none" normalizeH="0" baseline="0" dirty="0" smtClean="0">
-                <a:ln>
-                  <a:noFill/>
-                </a:ln>
-                <a:solidFill>
-                  <a:srgbClr val="000000"/>
-                </a:solidFill>
-                <a:effectLst/>
-                <a:latin typeface="Consolas" panose="020B0609020204030204" pitchFamily="49" charset="0"/>
-                <a:cs typeface="Consolas" panose="020B0609020204030204" pitchFamily="49" charset="0"/>
-              </a:rPr>
-              <a:t>) </a:t>
-            </a:r>
-          </a:p>
-          <a:p>
-            <a:pPr marL="0" marR="0" lvl="0" indent="0" algn="l" defTabSz="914400" rtl="0" eaLnBrk="0" fontAlgn="base" latinLnBrk="0" hangingPunct="0">
-              <a:lnSpc>
-                <a:spcPct val="100000"/>
-              </a:lnSpc>
-              <a:spcBef>
-                <a:spcPct val="0"/>
-              </a:spcBef>
-              <a:spcAft>
-                <a:spcPct val="0"/>
-              </a:spcAft>
-              <a:buClrTx/>
-              <a:buSzTx/>
-              <a:buFontTx/>
-              <a:buNone/>
-              <a:tabLst/>
-            </a:pPr>
-            <a:r>
-              <a:rPr kumimoji="0" lang="en-US" altLang="en-US" sz="2400" b="0" i="0" u="none" strike="noStrike" cap="none" normalizeH="0" baseline="0" dirty="0" smtClean="0">
-                <a:ln>
-                  <a:noFill/>
-                </a:ln>
-                <a:solidFill>
-                  <a:srgbClr val="000000"/>
-                </a:solidFill>
-                <a:effectLst/>
-                <a:latin typeface="Consolas" panose="020B0609020204030204" pitchFamily="49" charset="0"/>
-                <a:cs typeface="Consolas" panose="020B0609020204030204" pitchFamily="49" charset="0"/>
-              </a:rPr>
-              <a:t>second = input(</a:t>
-            </a:r>
-            <a:r>
-              <a:rPr kumimoji="0" lang="en-US" altLang="en-US" sz="2400" b="0" i="0" u="none" strike="noStrike" cap="none" normalizeH="0" baseline="0" dirty="0" smtClean="0">
-                <a:ln>
-                  <a:noFill/>
-                </a:ln>
-                <a:solidFill>
-                  <a:srgbClr val="A31515"/>
-                </a:solidFill>
-                <a:effectLst/>
-                <a:latin typeface="Consolas" panose="020B0609020204030204" pitchFamily="49" charset="0"/>
-                <a:cs typeface="Consolas" panose="020B0609020204030204" pitchFamily="49" charset="0"/>
-              </a:rPr>
-              <a:t>"Enter the second number "</a:t>
-            </a:r>
-            <a:r>
-              <a:rPr kumimoji="0" lang="en-US" altLang="en-US" sz="2400" b="0" i="0" u="none" strike="noStrike" cap="none" normalizeH="0" baseline="0" dirty="0" smtClean="0">
-                <a:ln>
-                  <a:noFill/>
-                </a:ln>
-                <a:solidFill>
-                  <a:srgbClr val="000000"/>
-                </a:solidFill>
-                <a:effectLst/>
-                <a:latin typeface="Consolas" panose="020B0609020204030204" pitchFamily="49" charset="0"/>
-                <a:cs typeface="Consolas" panose="020B0609020204030204" pitchFamily="49" charset="0"/>
-              </a:rPr>
-              <a:t>) </a:t>
-            </a:r>
-          </a:p>
-          <a:p>
-            <a:pPr marL="0" marR="0" lvl="0" indent="0" algn="l" defTabSz="914400" rtl="0" eaLnBrk="0" fontAlgn="base" latinLnBrk="0" hangingPunct="0">
-              <a:lnSpc>
-                <a:spcPct val="100000"/>
-              </a:lnSpc>
-              <a:spcBef>
-                <a:spcPct val="0"/>
-              </a:spcBef>
-              <a:spcAft>
-                <a:spcPct val="0"/>
-              </a:spcAft>
-              <a:buClrTx/>
-              <a:buSzTx/>
-              <a:buFontTx/>
-              <a:buNone/>
-              <a:tabLst/>
-            </a:pPr>
-            <a:r>
-              <a:rPr kumimoji="0" lang="en-US" altLang="en-US" sz="2400" b="0" i="0" u="none" strike="noStrike" cap="none" normalizeH="0" baseline="0" dirty="0" err="1" smtClean="0">
-                <a:ln>
-                  <a:noFill/>
-                </a:ln>
-                <a:solidFill>
-                  <a:srgbClr val="000000"/>
-                </a:solidFill>
-                <a:effectLst/>
-                <a:latin typeface="Consolas" panose="020B0609020204030204" pitchFamily="49" charset="0"/>
-                <a:cs typeface="Consolas" panose="020B0609020204030204" pitchFamily="49" charset="0"/>
-              </a:rPr>
-              <a:t>firstNumber</a:t>
-            </a:r>
-            <a:r>
-              <a:rPr kumimoji="0" lang="en-US" altLang="en-US" sz="2400" b="0" i="0" u="none" strike="noStrike" cap="none" normalizeH="0" baseline="0" dirty="0" smtClean="0">
-                <a:ln>
-                  <a:noFill/>
-                </a:ln>
-                <a:solidFill>
-                  <a:srgbClr val="000000"/>
-                </a:solidFill>
-                <a:effectLst/>
-                <a:latin typeface="Consolas" panose="020B0609020204030204" pitchFamily="49" charset="0"/>
-                <a:cs typeface="Consolas" panose="020B0609020204030204" pitchFamily="49" charset="0"/>
-              </a:rPr>
-              <a:t> = </a:t>
-            </a:r>
-            <a:r>
-              <a:rPr kumimoji="0" lang="en-US" altLang="en-US" sz="2400" b="0" i="0" u="none" strike="noStrike" cap="none" normalizeH="0" baseline="0" dirty="0" smtClean="0">
-                <a:ln>
-                  <a:noFill/>
-                </a:ln>
-                <a:solidFill>
-                  <a:srgbClr val="2B91AF"/>
-                </a:solidFill>
-                <a:effectLst/>
-                <a:latin typeface="Consolas" panose="020B0609020204030204" pitchFamily="49" charset="0"/>
-                <a:cs typeface="Consolas" panose="020B0609020204030204" pitchFamily="49" charset="0"/>
-              </a:rPr>
-              <a:t>float</a:t>
-            </a:r>
-            <a:r>
-              <a:rPr kumimoji="0" lang="en-US" altLang="en-US" sz="2400" b="0" i="0" u="none" strike="noStrike" cap="none" normalizeH="0" baseline="0" dirty="0" smtClean="0">
-                <a:ln>
-                  <a:noFill/>
-                </a:ln>
-                <a:solidFill>
-                  <a:srgbClr val="000000"/>
-                </a:solidFill>
-                <a:effectLst/>
-                <a:latin typeface="Consolas" panose="020B0609020204030204" pitchFamily="49" charset="0"/>
-                <a:cs typeface="Consolas" panose="020B0609020204030204" pitchFamily="49" charset="0"/>
-              </a:rPr>
-              <a:t>(first) </a:t>
-            </a:r>
-          </a:p>
-          <a:p>
-            <a:pPr marL="0" marR="0" lvl="0" indent="0" algn="l" defTabSz="914400" rtl="0" eaLnBrk="0" fontAlgn="base" latinLnBrk="0" hangingPunct="0">
-              <a:lnSpc>
-                <a:spcPct val="100000"/>
-              </a:lnSpc>
-              <a:spcBef>
-                <a:spcPct val="0"/>
-              </a:spcBef>
-              <a:spcAft>
-                <a:spcPct val="0"/>
-              </a:spcAft>
-              <a:buClrTx/>
-              <a:buSzTx/>
-              <a:buFontTx/>
-              <a:buNone/>
-              <a:tabLst/>
-            </a:pPr>
-            <a:r>
-              <a:rPr kumimoji="0" lang="en-US" altLang="en-US" sz="2400" b="0" i="0" u="none" strike="noStrike" cap="none" normalizeH="0" baseline="0" dirty="0" err="1" smtClean="0">
-                <a:ln>
-                  <a:noFill/>
-                </a:ln>
-                <a:solidFill>
-                  <a:srgbClr val="000000"/>
-                </a:solidFill>
-                <a:effectLst/>
-                <a:latin typeface="Consolas" panose="020B0609020204030204" pitchFamily="49" charset="0"/>
-                <a:cs typeface="Consolas" panose="020B0609020204030204" pitchFamily="49" charset="0"/>
-              </a:rPr>
-              <a:t>secondNumber</a:t>
-            </a:r>
-            <a:r>
-              <a:rPr kumimoji="0" lang="en-US" altLang="en-US" sz="2400" b="0" i="0" u="none" strike="noStrike" cap="none" normalizeH="0" baseline="0" dirty="0" smtClean="0">
-                <a:ln>
-                  <a:noFill/>
-                </a:ln>
-                <a:solidFill>
-                  <a:srgbClr val="000000"/>
-                </a:solidFill>
-                <a:effectLst/>
-                <a:latin typeface="Consolas" panose="020B0609020204030204" pitchFamily="49" charset="0"/>
-                <a:cs typeface="Consolas" panose="020B0609020204030204" pitchFamily="49" charset="0"/>
-              </a:rPr>
-              <a:t> = </a:t>
-            </a:r>
-            <a:r>
-              <a:rPr kumimoji="0" lang="en-US" altLang="en-US" sz="2400" b="0" i="0" u="none" strike="noStrike" cap="none" normalizeH="0" baseline="0" dirty="0" smtClean="0">
-                <a:ln>
-                  <a:noFill/>
-                </a:ln>
-                <a:solidFill>
-                  <a:srgbClr val="2B91AF"/>
-                </a:solidFill>
-                <a:effectLst/>
-                <a:latin typeface="Consolas" panose="020B0609020204030204" pitchFamily="49" charset="0"/>
-                <a:cs typeface="Consolas" panose="020B0609020204030204" pitchFamily="49" charset="0"/>
-              </a:rPr>
-              <a:t>float</a:t>
-            </a:r>
-            <a:r>
-              <a:rPr kumimoji="0" lang="en-US" altLang="en-US" sz="2400" b="0" i="0" u="none" strike="noStrike" cap="none" normalizeH="0" baseline="0" dirty="0" smtClean="0">
-                <a:ln>
-                  <a:noFill/>
-                </a:ln>
-                <a:solidFill>
-                  <a:srgbClr val="000000"/>
-                </a:solidFill>
-                <a:effectLst/>
-                <a:latin typeface="Consolas" panose="020B0609020204030204" pitchFamily="49" charset="0"/>
-                <a:cs typeface="Consolas" panose="020B0609020204030204" pitchFamily="49" charset="0"/>
-              </a:rPr>
-              <a:t>(second) </a:t>
-            </a:r>
-          </a:p>
-          <a:p>
-            <a:pPr marL="0" marR="0" lvl="0" indent="0" algn="l" defTabSz="914400" rtl="0" eaLnBrk="0" fontAlgn="base" latinLnBrk="0" hangingPunct="0">
-              <a:lnSpc>
-                <a:spcPct val="100000"/>
-              </a:lnSpc>
-              <a:spcBef>
-                <a:spcPct val="0"/>
-              </a:spcBef>
-              <a:spcAft>
-                <a:spcPct val="0"/>
-              </a:spcAft>
-              <a:buClrTx/>
-              <a:buSzTx/>
-              <a:buFontTx/>
-              <a:buNone/>
-              <a:tabLst/>
-            </a:pPr>
-            <a:r>
-              <a:rPr kumimoji="0" lang="en-US" altLang="en-US" sz="2400" b="0" i="0" u="none" strike="noStrike" cap="none" normalizeH="0" baseline="0" dirty="0" smtClean="0">
-                <a:ln>
-                  <a:noFill/>
-                </a:ln>
-                <a:solidFill>
-                  <a:srgbClr val="0000FF"/>
-                </a:solidFill>
-                <a:effectLst/>
-                <a:latin typeface="Consolas" panose="020B0609020204030204" pitchFamily="49" charset="0"/>
-                <a:cs typeface="Consolas" panose="020B0609020204030204" pitchFamily="49" charset="0"/>
-              </a:rPr>
-              <a:t>try</a:t>
-            </a:r>
-            <a:r>
-              <a:rPr kumimoji="0" lang="en-US" altLang="en-US" sz="2400" b="0" i="0" u="none" strike="noStrike" cap="none" normalizeH="0" baseline="0" dirty="0" smtClean="0">
-                <a:ln>
-                  <a:noFill/>
-                </a:ln>
-                <a:solidFill>
-                  <a:srgbClr val="000000"/>
-                </a:solidFill>
-                <a:effectLst/>
-                <a:latin typeface="Consolas" panose="020B0609020204030204" pitchFamily="49" charset="0"/>
-                <a:cs typeface="Consolas" panose="020B0609020204030204" pitchFamily="49" charset="0"/>
-              </a:rPr>
-              <a:t> :</a:t>
-            </a:r>
-          </a:p>
-          <a:p>
-            <a:pPr marL="0" marR="0" lvl="0" indent="0" algn="l" defTabSz="914400" rtl="0" eaLnBrk="0" fontAlgn="base" latinLnBrk="0" hangingPunct="0">
-              <a:lnSpc>
-                <a:spcPct val="100000"/>
-              </a:lnSpc>
-              <a:spcBef>
-                <a:spcPct val="0"/>
-              </a:spcBef>
-              <a:spcAft>
-                <a:spcPct val="0"/>
-              </a:spcAft>
-              <a:buClrTx/>
-              <a:buSzTx/>
-              <a:buFontTx/>
-              <a:buNone/>
-              <a:tabLst/>
-            </a:pPr>
-            <a:r>
-              <a:rPr kumimoji="0" lang="en-US" altLang="en-US" sz="2400" b="0" i="0" u="none" strike="noStrike" cap="none" normalizeH="0" baseline="0" dirty="0" smtClean="0">
-                <a:ln>
-                  <a:noFill/>
-                </a:ln>
-                <a:solidFill>
-                  <a:srgbClr val="000000"/>
-                </a:solidFill>
-                <a:effectLst/>
-                <a:latin typeface="Consolas" panose="020B0609020204030204" pitchFamily="49" charset="0"/>
-                <a:cs typeface="Consolas" panose="020B0609020204030204" pitchFamily="49" charset="0"/>
-              </a:rPr>
-              <a:t>    	result = </a:t>
-            </a:r>
-            <a:r>
-              <a:rPr kumimoji="0" lang="en-US" altLang="en-US" sz="2400" b="0" i="0" u="none" strike="noStrike" cap="none" normalizeH="0" baseline="0" dirty="0" err="1" smtClean="0">
-                <a:ln>
-                  <a:noFill/>
-                </a:ln>
-                <a:solidFill>
-                  <a:srgbClr val="000000"/>
-                </a:solidFill>
-                <a:effectLst/>
-                <a:latin typeface="Consolas" panose="020B0609020204030204" pitchFamily="49" charset="0"/>
-                <a:cs typeface="Consolas" panose="020B0609020204030204" pitchFamily="49" charset="0"/>
-              </a:rPr>
-              <a:t>firstNumber</a:t>
-            </a:r>
-            <a:r>
-              <a:rPr kumimoji="0" lang="en-US" altLang="en-US" sz="2400" b="0" i="0" u="none" strike="noStrike" cap="none" normalizeH="0" baseline="0" dirty="0" smtClean="0">
-                <a:ln>
-                  <a:noFill/>
-                </a:ln>
-                <a:solidFill>
-                  <a:srgbClr val="000000"/>
-                </a:solidFill>
-                <a:effectLst/>
-                <a:latin typeface="Consolas" panose="020B0609020204030204" pitchFamily="49" charset="0"/>
-                <a:cs typeface="Consolas" panose="020B0609020204030204" pitchFamily="49" charset="0"/>
-              </a:rPr>
-              <a:t> / </a:t>
-            </a:r>
-            <a:r>
-              <a:rPr kumimoji="0" lang="en-US" altLang="en-US" sz="2400" b="0" i="0" u="none" strike="noStrike" cap="none" normalizeH="0" baseline="0" dirty="0" err="1" smtClean="0">
-                <a:ln>
-                  <a:noFill/>
-                </a:ln>
-                <a:solidFill>
-                  <a:srgbClr val="000000"/>
-                </a:solidFill>
-                <a:effectLst/>
-                <a:latin typeface="Consolas" panose="020B0609020204030204" pitchFamily="49" charset="0"/>
-                <a:cs typeface="Consolas" panose="020B0609020204030204" pitchFamily="49" charset="0"/>
-              </a:rPr>
-              <a:t>secondNumber</a:t>
-            </a:r>
-            <a:endParaRPr kumimoji="0" lang="en-US" altLang="en-US" sz="2400" b="0" i="0" u="none" strike="noStrike" cap="none" normalizeH="0" baseline="0" dirty="0" smtClean="0">
-              <a:ln>
-                <a:noFill/>
-              </a:ln>
-              <a:solidFill>
-                <a:srgbClr val="000000"/>
-              </a:solidFill>
-              <a:effectLst/>
-              <a:latin typeface="Consolas" panose="020B0609020204030204" pitchFamily="49" charset="0"/>
-              <a:cs typeface="Consolas" panose="020B0609020204030204" pitchFamily="49" charset="0"/>
-            </a:endParaRPr>
-          </a:p>
-          <a:p>
-            <a:pPr marL="0" marR="0" lvl="0" indent="0" algn="l" defTabSz="914400" rtl="0" eaLnBrk="0" fontAlgn="base" latinLnBrk="0" hangingPunct="0">
-              <a:lnSpc>
-                <a:spcPct val="100000"/>
-              </a:lnSpc>
-              <a:spcBef>
-                <a:spcPct val="0"/>
-              </a:spcBef>
-              <a:spcAft>
-                <a:spcPct val="0"/>
-              </a:spcAft>
-              <a:buClrTx/>
-              <a:buSzTx/>
-              <a:buFontTx/>
-              <a:buNone/>
-              <a:tabLst/>
-            </a:pPr>
-            <a:r>
-              <a:rPr kumimoji="0" lang="en-US" altLang="en-US" sz="2400" b="0" i="0" u="none" strike="noStrike" cap="none" normalizeH="0" baseline="0" dirty="0" smtClean="0">
-                <a:ln>
-                  <a:noFill/>
-                </a:ln>
-                <a:solidFill>
-                  <a:srgbClr val="000000"/>
-                </a:solidFill>
-                <a:effectLst/>
-                <a:latin typeface="Consolas" panose="020B0609020204030204" pitchFamily="49" charset="0"/>
-                <a:cs typeface="Consolas" panose="020B0609020204030204" pitchFamily="49" charset="0"/>
-              </a:rPr>
-              <a:t>    	print (first + </a:t>
-            </a:r>
-            <a:r>
-              <a:rPr kumimoji="0" lang="en-US" altLang="en-US" sz="2400" b="0" i="0" u="none" strike="noStrike" cap="none" normalizeH="0" baseline="0" dirty="0" smtClean="0">
-                <a:ln>
-                  <a:noFill/>
-                </a:ln>
-                <a:solidFill>
-                  <a:srgbClr val="A31515"/>
-                </a:solidFill>
-                <a:effectLst/>
-                <a:latin typeface="Consolas" panose="020B0609020204030204" pitchFamily="49" charset="0"/>
-                <a:cs typeface="Consolas" panose="020B0609020204030204" pitchFamily="49" charset="0"/>
-              </a:rPr>
-              <a:t>" / "</a:t>
-            </a:r>
-            <a:r>
-              <a:rPr kumimoji="0" lang="en-US" altLang="en-US" sz="2400" b="0" i="0" u="none" strike="noStrike" cap="none" normalizeH="0" baseline="0" dirty="0" smtClean="0">
-                <a:ln>
-                  <a:noFill/>
-                </a:ln>
-                <a:solidFill>
-                  <a:srgbClr val="000000"/>
-                </a:solidFill>
-                <a:effectLst/>
-                <a:latin typeface="Consolas" panose="020B0609020204030204" pitchFamily="49" charset="0"/>
-                <a:cs typeface="Consolas" panose="020B0609020204030204" pitchFamily="49" charset="0"/>
-              </a:rPr>
-              <a:t> + second + </a:t>
-            </a:r>
-            <a:r>
-              <a:rPr kumimoji="0" lang="en-US" altLang="en-US" sz="2400" b="0" i="0" u="none" strike="noStrike" cap="none" normalizeH="0" baseline="0" dirty="0" smtClean="0">
-                <a:ln>
-                  <a:noFill/>
-                </a:ln>
-                <a:solidFill>
-                  <a:srgbClr val="A31515"/>
-                </a:solidFill>
-                <a:effectLst/>
-                <a:latin typeface="Consolas" panose="020B0609020204030204" pitchFamily="49" charset="0"/>
-                <a:cs typeface="Consolas" panose="020B0609020204030204" pitchFamily="49" charset="0"/>
-              </a:rPr>
-              <a:t>" = "</a:t>
-            </a:r>
-            <a:r>
-              <a:rPr kumimoji="0" lang="en-US" altLang="en-US" sz="2400" b="0" i="0" u="none" strike="noStrike" cap="none" normalizeH="0" baseline="0" dirty="0" smtClean="0">
-                <a:ln>
-                  <a:noFill/>
-                </a:ln>
-                <a:solidFill>
-                  <a:srgbClr val="000000"/>
-                </a:solidFill>
-                <a:effectLst/>
-                <a:latin typeface="Consolas" panose="020B0609020204030204" pitchFamily="49" charset="0"/>
-                <a:cs typeface="Consolas" panose="020B0609020204030204" pitchFamily="49" charset="0"/>
-              </a:rPr>
-              <a:t> + </a:t>
-            </a:r>
-            <a:r>
-              <a:rPr kumimoji="0" lang="en-US" altLang="en-US" sz="2400" b="0" i="0" u="none" strike="noStrike" cap="none" normalizeH="0" baseline="0" dirty="0" err="1" smtClean="0">
-                <a:ln>
-                  <a:noFill/>
-                </a:ln>
-                <a:solidFill>
-                  <a:srgbClr val="2B91AF"/>
-                </a:solidFill>
-                <a:effectLst/>
-                <a:latin typeface="Consolas" panose="020B0609020204030204" pitchFamily="49" charset="0"/>
-                <a:cs typeface="Consolas" panose="020B0609020204030204" pitchFamily="49" charset="0"/>
-              </a:rPr>
-              <a:t>str</a:t>
-            </a:r>
-            <a:r>
-              <a:rPr kumimoji="0" lang="en-US" altLang="en-US" sz="2400" b="0" i="0" u="none" strike="noStrike" cap="none" normalizeH="0" baseline="0" dirty="0" smtClean="0">
-                <a:ln>
-                  <a:noFill/>
-                </a:ln>
-                <a:solidFill>
-                  <a:srgbClr val="000000"/>
-                </a:solidFill>
-                <a:effectLst/>
-                <a:latin typeface="Consolas" panose="020B0609020204030204" pitchFamily="49" charset="0"/>
-                <a:cs typeface="Consolas" panose="020B0609020204030204" pitchFamily="49" charset="0"/>
-              </a:rPr>
-              <a:t>(result))</a:t>
-            </a:r>
-          </a:p>
-          <a:p>
-            <a:pPr marL="0" indent="0" defTabSz="914400" eaLnBrk="0" fontAlgn="base" hangingPunct="0">
-              <a:spcBef>
-                <a:spcPct val="0"/>
-              </a:spcBef>
-              <a:spcAft>
-                <a:spcPct val="0"/>
-              </a:spcAft>
-              <a:buNone/>
-            </a:pPr>
-            <a:r>
-              <a:rPr lang="en-US" altLang="en-US" sz="2400" dirty="0">
-                <a:solidFill>
-                  <a:srgbClr val="0000FF"/>
-                </a:solidFill>
-                <a:latin typeface="Consolas" panose="020B0609020204030204" pitchFamily="49" charset="0"/>
-                <a:cs typeface="Consolas" panose="020B0609020204030204" pitchFamily="49" charset="0"/>
-              </a:rPr>
-              <a:t>except</a:t>
-            </a:r>
-            <a:r>
-              <a:rPr lang="en-US" altLang="en-US" sz="2400" dirty="0">
-                <a:solidFill>
-                  <a:srgbClr val="000000"/>
-                </a:solidFill>
-                <a:latin typeface="Consolas" panose="020B0609020204030204" pitchFamily="49" charset="0"/>
-                <a:cs typeface="Consolas" panose="020B0609020204030204" pitchFamily="49" charset="0"/>
-              </a:rPr>
-              <a:t> </a:t>
-            </a:r>
-            <a:r>
-              <a:rPr lang="en-US" altLang="en-US" sz="2400" dirty="0" err="1">
-                <a:solidFill>
-                  <a:srgbClr val="2B91AF"/>
-                </a:solidFill>
-                <a:latin typeface="Consolas" panose="020B0609020204030204" pitchFamily="49" charset="0"/>
-                <a:cs typeface="Consolas" panose="020B0609020204030204" pitchFamily="49" charset="0"/>
-              </a:rPr>
-              <a:t>ZeroDivisionError</a:t>
-            </a:r>
-            <a:r>
-              <a:rPr lang="en-US" altLang="en-US" sz="2400" dirty="0">
-                <a:solidFill>
-                  <a:srgbClr val="000000"/>
-                </a:solidFill>
-                <a:latin typeface="Consolas" panose="020B0609020204030204" pitchFamily="49" charset="0"/>
-                <a:cs typeface="Consolas" panose="020B0609020204030204" pitchFamily="49" charset="0"/>
-              </a:rPr>
-              <a:t> </a:t>
-            </a:r>
-            <a:r>
-              <a:rPr lang="en-US" altLang="en-US" sz="2400" dirty="0" smtClean="0">
-                <a:solidFill>
-                  <a:srgbClr val="000000"/>
-                </a:solidFill>
-                <a:latin typeface="Consolas" panose="020B0609020204030204" pitchFamily="49" charset="0"/>
-                <a:cs typeface="Consolas" panose="020B0609020204030204" pitchFamily="49" charset="0"/>
-              </a:rPr>
-              <a:t>:</a:t>
-            </a:r>
-          </a:p>
-          <a:p>
-            <a:pPr marL="0" indent="0" defTabSz="914400" eaLnBrk="0" fontAlgn="base" hangingPunct="0">
-              <a:spcBef>
-                <a:spcPct val="0"/>
-              </a:spcBef>
-              <a:spcAft>
-                <a:spcPct val="0"/>
-              </a:spcAft>
-              <a:buNone/>
-            </a:pPr>
-            <a:r>
-              <a:rPr lang="en-US" altLang="en-US" sz="2400" dirty="0" smtClean="0">
-                <a:solidFill>
-                  <a:srgbClr val="000000"/>
-                </a:solidFill>
-                <a:latin typeface="Consolas" panose="020B0609020204030204" pitchFamily="49" charset="0"/>
-                <a:cs typeface="Consolas" panose="020B0609020204030204" pitchFamily="49" charset="0"/>
-              </a:rPr>
-              <a:t> </a:t>
-            </a:r>
-            <a:r>
-              <a:rPr lang="en-US" altLang="en-US" sz="2400" dirty="0">
-                <a:solidFill>
-                  <a:srgbClr val="000000"/>
-                </a:solidFill>
-                <a:latin typeface="Consolas" panose="020B0609020204030204" pitchFamily="49" charset="0"/>
-                <a:cs typeface="Consolas" panose="020B0609020204030204" pitchFamily="49" charset="0"/>
-              </a:rPr>
-              <a:t>   </a:t>
-            </a:r>
-            <a:r>
-              <a:rPr lang="en-US" altLang="en-US" sz="2400" dirty="0" smtClean="0">
-                <a:solidFill>
-                  <a:srgbClr val="000000"/>
-                </a:solidFill>
-                <a:latin typeface="Consolas" panose="020B0609020204030204" pitchFamily="49" charset="0"/>
-                <a:cs typeface="Consolas" panose="020B0609020204030204" pitchFamily="49" charset="0"/>
-              </a:rPr>
-              <a:t>	print</a:t>
-            </a:r>
-            <a:r>
-              <a:rPr lang="en-US" altLang="en-US" sz="2400" dirty="0">
-                <a:solidFill>
-                  <a:srgbClr val="000000"/>
-                </a:solidFill>
-                <a:latin typeface="Consolas" panose="020B0609020204030204" pitchFamily="49" charset="0"/>
-                <a:cs typeface="Consolas" panose="020B0609020204030204" pitchFamily="49" charset="0"/>
-              </a:rPr>
-              <a:t>(</a:t>
-            </a:r>
-            <a:r>
-              <a:rPr lang="en-US" altLang="en-US" sz="2400" dirty="0">
-                <a:solidFill>
-                  <a:srgbClr val="A31515"/>
-                </a:solidFill>
-                <a:latin typeface="Consolas" panose="020B0609020204030204" pitchFamily="49" charset="0"/>
-                <a:cs typeface="Consolas" panose="020B0609020204030204" pitchFamily="49" charset="0"/>
-              </a:rPr>
-              <a:t>"The answer is infinity</a:t>
-            </a:r>
-            <a:r>
-              <a:rPr lang="en-US" altLang="en-US" sz="2400" dirty="0" smtClean="0">
-                <a:solidFill>
-                  <a:srgbClr val="A31515"/>
-                </a:solidFill>
-                <a:latin typeface="Consolas" panose="020B0609020204030204" pitchFamily="49" charset="0"/>
-                <a:cs typeface="Consolas" panose="020B0609020204030204" pitchFamily="49" charset="0"/>
-              </a:rPr>
-              <a:t>"</a:t>
-            </a:r>
-            <a:r>
-              <a:rPr lang="en-US" altLang="en-US" sz="2400" dirty="0" smtClean="0">
-                <a:solidFill>
-                  <a:srgbClr val="000000"/>
-                </a:solidFill>
-                <a:latin typeface="Consolas" panose="020B0609020204030204" pitchFamily="49" charset="0"/>
-                <a:cs typeface="Consolas" panose="020B0609020204030204" pitchFamily="49" charset="0"/>
-              </a:rPr>
-              <a:t>)</a:t>
-            </a:r>
-          </a:p>
-          <a:p>
-            <a:pPr marL="0" lvl="0" indent="0" defTabSz="914400" eaLnBrk="0" fontAlgn="base" hangingPunct="0">
-              <a:spcBef>
-                <a:spcPct val="0"/>
-              </a:spcBef>
-              <a:spcAft>
-                <a:spcPct val="0"/>
-              </a:spcAft>
-              <a:buNone/>
-            </a:pPr>
-            <a:r>
-              <a:rPr lang="en-US" altLang="en-US" sz="2400" dirty="0">
-                <a:solidFill>
-                  <a:srgbClr val="0000FF"/>
-                </a:solidFill>
-                <a:latin typeface="Consolas" panose="020B0609020204030204" pitchFamily="49" charset="0"/>
-                <a:cs typeface="Consolas" panose="020B0609020204030204" pitchFamily="49" charset="0"/>
-              </a:rPr>
-              <a:t>except</a:t>
-            </a:r>
-            <a:r>
-              <a:rPr lang="en-US" altLang="en-US" sz="2400" dirty="0">
-                <a:solidFill>
-                  <a:srgbClr val="000000"/>
-                </a:solidFill>
-                <a:latin typeface="Consolas" panose="020B0609020204030204" pitchFamily="49" charset="0"/>
-                <a:cs typeface="Consolas" panose="020B0609020204030204" pitchFamily="49" charset="0"/>
-              </a:rPr>
-              <a:t> :</a:t>
-            </a:r>
-          </a:p>
-          <a:p>
-            <a:pPr marL="0" indent="0" defTabSz="914400" eaLnBrk="0" fontAlgn="base" hangingPunct="0">
-              <a:spcBef>
-                <a:spcPct val="0"/>
-              </a:spcBef>
-              <a:spcAft>
-                <a:spcPct val="0"/>
-              </a:spcAft>
-              <a:buNone/>
-            </a:pPr>
-            <a:r>
-              <a:rPr lang="en-US" altLang="en-US" sz="2400" dirty="0">
-                <a:solidFill>
-                  <a:srgbClr val="000000"/>
-                </a:solidFill>
-                <a:latin typeface="Consolas" panose="020B0609020204030204" pitchFamily="49" charset="0"/>
-                <a:cs typeface="Consolas" panose="020B0609020204030204" pitchFamily="49" charset="0"/>
-              </a:rPr>
-              <a:t>	error = </a:t>
-            </a:r>
-            <a:r>
-              <a:rPr lang="en-US" altLang="en-US" sz="2400" dirty="0" err="1">
-                <a:solidFill>
-                  <a:srgbClr val="6F008A"/>
-                </a:solidFill>
-                <a:latin typeface="Consolas" panose="020B0609020204030204" pitchFamily="49" charset="0"/>
-                <a:cs typeface="Consolas" panose="020B0609020204030204" pitchFamily="49" charset="0"/>
-              </a:rPr>
-              <a:t>sys</a:t>
-            </a:r>
-            <a:r>
-              <a:rPr lang="en-US" altLang="en-US" sz="2400" dirty="0" err="1">
-                <a:solidFill>
-                  <a:srgbClr val="000000"/>
-                </a:solidFill>
-                <a:latin typeface="Consolas" panose="020B0609020204030204" pitchFamily="49" charset="0"/>
-                <a:cs typeface="Consolas" panose="020B0609020204030204" pitchFamily="49" charset="0"/>
-              </a:rPr>
-              <a:t>.exc_info</a:t>
-            </a:r>
-            <a:r>
-              <a:rPr lang="en-US" altLang="en-US" sz="2400" dirty="0">
-                <a:solidFill>
-                  <a:srgbClr val="000000"/>
-                </a:solidFill>
-                <a:latin typeface="Consolas" panose="020B0609020204030204" pitchFamily="49" charset="0"/>
-                <a:cs typeface="Consolas" panose="020B0609020204030204" pitchFamily="49" charset="0"/>
-              </a:rPr>
-              <a:t>()[0]</a:t>
-            </a:r>
-          </a:p>
-          <a:p>
-            <a:pPr marL="0" indent="0" defTabSz="914400" eaLnBrk="0" fontAlgn="base" hangingPunct="0">
-              <a:spcBef>
-                <a:spcPct val="0"/>
-              </a:spcBef>
-              <a:spcAft>
-                <a:spcPct val="0"/>
-              </a:spcAft>
-              <a:buNone/>
-            </a:pPr>
-            <a:r>
-              <a:rPr lang="en-US" altLang="en-US" sz="2400" dirty="0">
-                <a:solidFill>
-                  <a:srgbClr val="000000"/>
-                </a:solidFill>
-                <a:latin typeface="Consolas" panose="020B0609020204030204" pitchFamily="49" charset="0"/>
-                <a:cs typeface="Consolas" panose="020B0609020204030204" pitchFamily="49" charset="0"/>
-              </a:rPr>
-              <a:t>    	print(</a:t>
-            </a:r>
-            <a:r>
-              <a:rPr lang="en-US" altLang="en-US" sz="2400" dirty="0">
-                <a:solidFill>
-                  <a:srgbClr val="A31515"/>
-                </a:solidFill>
-                <a:latin typeface="Consolas" panose="020B0609020204030204" pitchFamily="49" charset="0"/>
-                <a:cs typeface="Consolas" panose="020B0609020204030204" pitchFamily="49" charset="0"/>
-              </a:rPr>
-              <a:t>"I am sorry something went wrong"</a:t>
-            </a:r>
-            <a:r>
-              <a:rPr lang="en-US" altLang="en-US" sz="2400" dirty="0">
-                <a:solidFill>
-                  <a:srgbClr val="000000"/>
-                </a:solidFill>
-                <a:latin typeface="Consolas" panose="020B0609020204030204" pitchFamily="49" charset="0"/>
-                <a:cs typeface="Consolas" panose="020B0609020204030204" pitchFamily="49" charset="0"/>
-              </a:rPr>
-              <a:t>)</a:t>
-            </a:r>
-          </a:p>
-          <a:p>
-            <a:pPr marL="0" indent="0" defTabSz="914400" eaLnBrk="0" fontAlgn="base" hangingPunct="0">
-              <a:spcBef>
-                <a:spcPct val="0"/>
-              </a:spcBef>
-              <a:spcAft>
-                <a:spcPct val="0"/>
-              </a:spcAft>
-              <a:buNone/>
-            </a:pPr>
-            <a:r>
-              <a:rPr lang="en-US" altLang="en-US" sz="2400" dirty="0">
-                <a:solidFill>
-                  <a:srgbClr val="000000"/>
-                </a:solidFill>
-                <a:latin typeface="Consolas" panose="020B0609020204030204" pitchFamily="49" charset="0"/>
-                <a:cs typeface="Consolas" panose="020B0609020204030204" pitchFamily="49" charset="0"/>
-              </a:rPr>
-              <a:t>    	</a:t>
-            </a:r>
-            <a:r>
-              <a:rPr lang="en-US" altLang="en-US" sz="2400" dirty="0" smtClean="0">
-                <a:solidFill>
-                  <a:srgbClr val="000000"/>
-                </a:solidFill>
-                <a:latin typeface="Consolas" panose="020B0609020204030204" pitchFamily="49" charset="0"/>
-                <a:cs typeface="Consolas" panose="020B0609020204030204" pitchFamily="49" charset="0"/>
-              </a:rPr>
-              <a:t>print(error)</a:t>
-            </a:r>
-          </a:p>
-          <a:p>
-            <a:pPr marL="0" indent="0" defTabSz="914400" eaLnBrk="0" fontAlgn="base" hangingPunct="0">
-              <a:spcBef>
-                <a:spcPct val="0"/>
-              </a:spcBef>
-              <a:spcAft>
-                <a:spcPct val="0"/>
-              </a:spcAft>
-              <a:buNone/>
-            </a:pPr>
-            <a:r>
-              <a:rPr lang="en-US" altLang="en-US" sz="2400" dirty="0" smtClean="0">
-                <a:solidFill>
-                  <a:srgbClr val="000000"/>
-                </a:solidFill>
-                <a:latin typeface="Consolas" panose="020B0609020204030204" pitchFamily="49" charset="0"/>
-                <a:cs typeface="Consolas" panose="020B0609020204030204" pitchFamily="49" charset="0"/>
-              </a:rPr>
-              <a:t>print(</a:t>
-            </a:r>
-            <a:r>
-              <a:rPr lang="en-US" altLang="en-US" sz="2400" dirty="0">
-                <a:solidFill>
-                  <a:srgbClr val="A31515"/>
-                </a:solidFill>
-                <a:latin typeface="Consolas" panose="020B0609020204030204" pitchFamily="49" charset="0"/>
-                <a:cs typeface="Consolas" panose="020B0609020204030204" pitchFamily="49" charset="0"/>
-              </a:rPr>
-              <a:t>"</a:t>
-            </a:r>
-            <a:r>
-              <a:rPr lang="en-US" altLang="en-US" sz="2400" dirty="0" smtClean="0">
-                <a:solidFill>
-                  <a:srgbClr val="A31515"/>
-                </a:solidFill>
-                <a:latin typeface="Consolas" panose="020B0609020204030204" pitchFamily="49" charset="0"/>
-                <a:cs typeface="Consolas" panose="020B0609020204030204" pitchFamily="49" charset="0"/>
-              </a:rPr>
-              <a:t>This message always displays!"</a:t>
-            </a:r>
-            <a:r>
-              <a:rPr lang="en-US" altLang="en-US" sz="2400" dirty="0" smtClean="0">
-                <a:solidFill>
-                  <a:srgbClr val="000000"/>
-                </a:solidFill>
-                <a:latin typeface="Consolas" panose="020B0609020204030204" pitchFamily="49" charset="0"/>
-                <a:cs typeface="Consolas" panose="020B0609020204030204" pitchFamily="49" charset="0"/>
-              </a:rPr>
-              <a:t>) </a:t>
-            </a:r>
-            <a:endParaRPr lang="en-US" altLang="en-US" sz="2400" dirty="0">
-              <a:latin typeface="Arial" panose="020B0604020202020204" pitchFamily="34" charset="0"/>
-            </a:endParaRPr>
-          </a:p>
-        </p:txBody>
-      </p:sp>
-      <p:sp>
-        <p:nvSpPr>
-          <p:cNvPr id="8" name="Rectangle 7"/>
-          <p:cNvSpPr/>
-          <p:nvPr/>
-        </p:nvSpPr>
-        <p:spPr>
-          <a:xfrm>
-            <a:off x="379514" y="6032810"/>
-            <a:ext cx="8306914" cy="602166"/>
-          </a:xfrm>
-          <a:prstGeom prst="rect">
-            <a:avLst/>
-          </a:prstGeom>
-          <a:noFill/>
-          <a:ln w="19050">
-            <a:solidFill>
-              <a:srgbClr val="FF0000"/>
-            </a:solidFill>
-          </a:ln>
-        </p:spPr>
-        <p:style>
-          <a:lnRef idx="2">
-            <a:schemeClr val="accent1">
-              <a:shade val="50000"/>
-            </a:schemeClr>
-          </a:lnRef>
-          <a:fillRef idx="1">
-            <a:schemeClr val="accent1"/>
-          </a:fillRef>
-          <a:effectRef idx="0">
-            <a:schemeClr val="accent1"/>
-          </a:effectRef>
-          <a:fontRef idx="minor">
-            <a:schemeClr val="lt1"/>
-          </a:fontRef>
-        </p:style>
-        <p:txBody>
-          <a:bodyPr rtlCol="0" anchor="ctr"/>
-          <a:lstStyle/>
-          <a:p>
-            <a:pPr algn="ctr"/>
-            <a:endParaRPr lang="en-US"/>
-          </a:p>
-        </p:txBody>
-      </p:sp>
-    </p:spTree>
-    <p:extLst>
-      <p:ext uri="{BB962C8B-B14F-4D97-AF65-F5344CB8AC3E}">
-        <p14:creationId xmlns:p14="http://schemas.microsoft.com/office/powerpoint/2010/main" val="471440831"/>
       </p:ext>
     </p:extLst>
   </p:cSld>
@@ -12187,6 +11458,1167 @@
       </p:grpSpPr>
       <p:sp>
         <p:nvSpPr>
+          <p:cNvPr id="4" name="Title 3"/>
+          <p:cNvSpPr>
+            <a:spLocks noGrp="1"/>
+          </p:cNvSpPr>
+          <p:nvPr>
+            <p:ph type="title"/>
+          </p:nvPr>
+        </p:nvSpPr>
+        <p:spPr/>
+        <p:txBody>
+          <a:bodyPr/>
+          <a:lstStyle/>
+          <a:p>
+            <a:r>
+              <a:rPr lang="en-CA" dirty="0" smtClean="0"/>
+              <a:t>Trapping errors</a:t>
+            </a:r>
+            <a:endParaRPr lang="en-US" dirty="0"/>
+          </a:p>
+        </p:txBody>
+      </p:sp>
+    </p:spTree>
+    <p:extLst>
+      <p:ext uri="{BB962C8B-B14F-4D97-AF65-F5344CB8AC3E}">
+        <p14:creationId xmlns:p14="http://schemas.microsoft.com/office/powerpoint/2010/main" val="1690864381"/>
+      </p:ext>
+    </p:extLst>
+  </p:cSld>
+  <p:clrMapOvr>
+    <a:masterClrMapping/>
+  </p:clrMapOvr>
+  <p:timing>
+    <p:tnLst>
+      <p:par>
+        <p:cTn id="1" dur="indefinite" restart="never" nodeType="tmRoot"/>
+      </p:par>
+    </p:tnLst>
+  </p:timing>
+</p:sld>
+</file>
+
+<file path=ppt/slides/slide21.xml><?xml version="1.0" encoding="utf-8"?>
+<p:sld xmlns:a="http://schemas.openxmlformats.org/drawingml/2006/main" xmlns:r="http://schemas.openxmlformats.org/officeDocument/2006/relationships" xmlns:p="http://schemas.openxmlformats.org/presentationml/2006/main">
+  <p:cSld>
+    <p:spTree>
+      <p:nvGrpSpPr>
+        <p:cNvPr id="1" name=""/>
+        <p:cNvGrpSpPr/>
+        <p:nvPr/>
+      </p:nvGrpSpPr>
+      <p:grpSpPr>
+        <a:xfrm>
+          <a:off x="0" y="0"/>
+          <a:ext cx="0" cy="0"/>
+          <a:chOff x="0" y="0"/>
+          <a:chExt cx="0" cy="0"/>
+        </a:xfrm>
+      </p:grpSpPr>
+      <p:sp>
+        <p:nvSpPr>
+          <p:cNvPr id="2" name="Title 1"/>
+          <p:cNvSpPr>
+            <a:spLocks noGrp="1"/>
+          </p:cNvSpPr>
+          <p:nvPr>
+            <p:ph type="title"/>
+          </p:nvPr>
+        </p:nvSpPr>
+        <p:spPr/>
+        <p:txBody>
+          <a:bodyPr>
+            <a:normAutofit fontScale="90000"/>
+          </a:bodyPr>
+          <a:lstStyle/>
+          <a:p>
+            <a:r>
+              <a:rPr lang="en-CA" dirty="0" smtClean="0"/>
+              <a:t>Any code you place after the try except will always execute</a:t>
+            </a:r>
+            <a:endParaRPr lang="en-US" dirty="0"/>
+          </a:p>
+        </p:txBody>
+      </p:sp>
+      <p:sp>
+        <p:nvSpPr>
+          <p:cNvPr id="4" name="Rectangle 1"/>
+          <p:cNvSpPr>
+            <a:spLocks noGrp="1" noChangeArrowheads="1"/>
+          </p:cNvSpPr>
+          <p:nvPr>
+            <p:ph sz="quarter" idx="10"/>
+          </p:nvPr>
+        </p:nvSpPr>
+        <p:spPr bwMode="auto">
+          <a:xfrm>
+            <a:off x="379514" y="1245702"/>
+            <a:ext cx="9943748" cy="5262979"/>
+          </a:xfrm>
+          <a:prstGeom prst="rect">
+            <a:avLst/>
+          </a:prstGeom>
+          <a:solidFill>
+            <a:srgbClr val="FFFFFF"/>
+          </a:solidFill>
+          <a:ln>
+            <a:noFill/>
+          </a:ln>
+          <a:effectLst/>
+          <a:extLst>
+            <a:ext uri="{91240B29-F687-4F45-9708-019B960494DF}">
+              <a14:hiddenLine xmlns:a14="http://schemas.microsoft.com/office/drawing/2010/main" w="9525">
+                <a:solidFill>
+                  <a:schemeClr val="tx1"/>
+                </a:solidFill>
+                <a:miter lim="800000"/>
+                <a:headEnd/>
+                <a:tailEnd/>
+              </a14:hiddenLine>
+            </a:ext>
+            <a:ext uri="{AF507438-7753-43E0-B8FC-AC1667EBCBE1}">
+              <a14:hiddenEffects xmlns:a14="http://schemas.microsoft.com/office/drawing/2010/main">
+                <a:effectLst>
+                  <a:outerShdw dist="35921" dir="2700000" algn="ctr" rotWithShape="0">
+                    <a:schemeClr val="bg2"/>
+                  </a:outerShdw>
+                </a:effectLst>
+              </a14:hiddenEffects>
+            </a:ext>
+          </a:extLst>
+        </p:spPr>
+        <p:txBody>
+          <a:bodyPr vert="horz" wrap="none" lIns="91440" tIns="45720" rIns="91440" bIns="45720" numCol="1" anchor="ctr" anchorCtr="0" compatLnSpc="1">
+            <a:prstTxWarp prst="textNoShape">
+              <a:avLst/>
+            </a:prstTxWarp>
+            <a:spAutoFit/>
+          </a:bodyPr>
+          <a:lstStyle/>
+          <a:p>
+            <a:pPr marL="0" marR="0" lvl="0" indent="0" algn="l" defTabSz="914400" rtl="0" eaLnBrk="0" fontAlgn="base" latinLnBrk="0" hangingPunct="0">
+              <a:lnSpc>
+                <a:spcPct val="100000"/>
+              </a:lnSpc>
+              <a:spcBef>
+                <a:spcPct val="0"/>
+              </a:spcBef>
+              <a:spcAft>
+                <a:spcPct val="0"/>
+              </a:spcAft>
+              <a:buClrTx/>
+              <a:buSzTx/>
+              <a:buFontTx/>
+              <a:buNone/>
+              <a:tabLst/>
+            </a:pPr>
+            <a:r>
+              <a:rPr kumimoji="0" lang="en-US" altLang="en-US" sz="2400" b="0" i="0" u="none" strike="noStrike" cap="none" normalizeH="0" baseline="0" dirty="0" smtClean="0">
+                <a:ln>
+                  <a:noFill/>
+                </a:ln>
+                <a:solidFill>
+                  <a:srgbClr val="000000"/>
+                </a:solidFill>
+                <a:effectLst/>
+                <a:latin typeface="Consolas" panose="020B0609020204030204" pitchFamily="49" charset="0"/>
+                <a:cs typeface="Consolas" panose="020B0609020204030204" pitchFamily="49" charset="0"/>
+              </a:rPr>
+              <a:t>first = input(</a:t>
+            </a:r>
+            <a:r>
+              <a:rPr kumimoji="0" lang="en-US" altLang="en-US" sz="2400" b="0" i="0" u="none" strike="noStrike" cap="none" normalizeH="0" baseline="0" dirty="0" smtClean="0">
+                <a:ln>
+                  <a:noFill/>
+                </a:ln>
+                <a:solidFill>
+                  <a:srgbClr val="A31515"/>
+                </a:solidFill>
+                <a:effectLst/>
+                <a:latin typeface="Consolas" panose="020B0609020204030204" pitchFamily="49" charset="0"/>
+                <a:cs typeface="Consolas" panose="020B0609020204030204" pitchFamily="49" charset="0"/>
+              </a:rPr>
+              <a:t>"Enter the first number "</a:t>
+            </a:r>
+            <a:r>
+              <a:rPr kumimoji="0" lang="en-US" altLang="en-US" sz="2400" b="0" i="0" u="none" strike="noStrike" cap="none" normalizeH="0" baseline="0" dirty="0" smtClean="0">
+                <a:ln>
+                  <a:noFill/>
+                </a:ln>
+                <a:solidFill>
+                  <a:srgbClr val="000000"/>
+                </a:solidFill>
+                <a:effectLst/>
+                <a:latin typeface="Consolas" panose="020B0609020204030204" pitchFamily="49" charset="0"/>
+                <a:cs typeface="Consolas" panose="020B0609020204030204" pitchFamily="49" charset="0"/>
+              </a:rPr>
+              <a:t>) </a:t>
+            </a:r>
+          </a:p>
+          <a:p>
+            <a:pPr marL="0" marR="0" lvl="0" indent="0" algn="l" defTabSz="914400" rtl="0" eaLnBrk="0" fontAlgn="base" latinLnBrk="0" hangingPunct="0">
+              <a:lnSpc>
+                <a:spcPct val="100000"/>
+              </a:lnSpc>
+              <a:spcBef>
+                <a:spcPct val="0"/>
+              </a:spcBef>
+              <a:spcAft>
+                <a:spcPct val="0"/>
+              </a:spcAft>
+              <a:buClrTx/>
+              <a:buSzTx/>
+              <a:buFontTx/>
+              <a:buNone/>
+              <a:tabLst/>
+            </a:pPr>
+            <a:r>
+              <a:rPr kumimoji="0" lang="en-US" altLang="en-US" sz="2400" b="0" i="0" u="none" strike="noStrike" cap="none" normalizeH="0" baseline="0" dirty="0" smtClean="0">
+                <a:ln>
+                  <a:noFill/>
+                </a:ln>
+                <a:solidFill>
+                  <a:srgbClr val="000000"/>
+                </a:solidFill>
+                <a:effectLst/>
+                <a:latin typeface="Consolas" panose="020B0609020204030204" pitchFamily="49" charset="0"/>
+                <a:cs typeface="Consolas" panose="020B0609020204030204" pitchFamily="49" charset="0"/>
+              </a:rPr>
+              <a:t>second = input(</a:t>
+            </a:r>
+            <a:r>
+              <a:rPr kumimoji="0" lang="en-US" altLang="en-US" sz="2400" b="0" i="0" u="none" strike="noStrike" cap="none" normalizeH="0" baseline="0" dirty="0" smtClean="0">
+                <a:ln>
+                  <a:noFill/>
+                </a:ln>
+                <a:solidFill>
+                  <a:srgbClr val="A31515"/>
+                </a:solidFill>
+                <a:effectLst/>
+                <a:latin typeface="Consolas" panose="020B0609020204030204" pitchFamily="49" charset="0"/>
+                <a:cs typeface="Consolas" panose="020B0609020204030204" pitchFamily="49" charset="0"/>
+              </a:rPr>
+              <a:t>"Enter the second number "</a:t>
+            </a:r>
+            <a:r>
+              <a:rPr kumimoji="0" lang="en-US" altLang="en-US" sz="2400" b="0" i="0" u="none" strike="noStrike" cap="none" normalizeH="0" baseline="0" dirty="0" smtClean="0">
+                <a:ln>
+                  <a:noFill/>
+                </a:ln>
+                <a:solidFill>
+                  <a:srgbClr val="000000"/>
+                </a:solidFill>
+                <a:effectLst/>
+                <a:latin typeface="Consolas" panose="020B0609020204030204" pitchFamily="49" charset="0"/>
+                <a:cs typeface="Consolas" panose="020B0609020204030204" pitchFamily="49" charset="0"/>
+              </a:rPr>
+              <a:t>) </a:t>
+            </a:r>
+          </a:p>
+          <a:p>
+            <a:pPr marL="0" marR="0" lvl="0" indent="0" algn="l" defTabSz="914400" rtl="0" eaLnBrk="0" fontAlgn="base" latinLnBrk="0" hangingPunct="0">
+              <a:lnSpc>
+                <a:spcPct val="100000"/>
+              </a:lnSpc>
+              <a:spcBef>
+                <a:spcPct val="0"/>
+              </a:spcBef>
+              <a:spcAft>
+                <a:spcPct val="0"/>
+              </a:spcAft>
+              <a:buClrTx/>
+              <a:buSzTx/>
+              <a:buFontTx/>
+              <a:buNone/>
+              <a:tabLst/>
+            </a:pPr>
+            <a:r>
+              <a:rPr kumimoji="0" lang="en-US" altLang="en-US" sz="2400" b="0" i="0" u="none" strike="noStrike" cap="none" normalizeH="0" baseline="0" dirty="0" err="1" smtClean="0">
+                <a:ln>
+                  <a:noFill/>
+                </a:ln>
+                <a:solidFill>
+                  <a:srgbClr val="000000"/>
+                </a:solidFill>
+                <a:effectLst/>
+                <a:latin typeface="Consolas" panose="020B0609020204030204" pitchFamily="49" charset="0"/>
+                <a:cs typeface="Consolas" panose="020B0609020204030204" pitchFamily="49" charset="0"/>
+              </a:rPr>
+              <a:t>firstNumber</a:t>
+            </a:r>
+            <a:r>
+              <a:rPr kumimoji="0" lang="en-US" altLang="en-US" sz="2400" b="0" i="0" u="none" strike="noStrike" cap="none" normalizeH="0" baseline="0" dirty="0" smtClean="0">
+                <a:ln>
+                  <a:noFill/>
+                </a:ln>
+                <a:solidFill>
+                  <a:srgbClr val="000000"/>
+                </a:solidFill>
+                <a:effectLst/>
+                <a:latin typeface="Consolas" panose="020B0609020204030204" pitchFamily="49" charset="0"/>
+                <a:cs typeface="Consolas" panose="020B0609020204030204" pitchFamily="49" charset="0"/>
+              </a:rPr>
+              <a:t> = </a:t>
+            </a:r>
+            <a:r>
+              <a:rPr kumimoji="0" lang="en-US" altLang="en-US" sz="2400" b="0" i="0" u="none" strike="noStrike" cap="none" normalizeH="0" baseline="0" dirty="0" smtClean="0">
+                <a:ln>
+                  <a:noFill/>
+                </a:ln>
+                <a:solidFill>
+                  <a:srgbClr val="2B91AF"/>
+                </a:solidFill>
+                <a:effectLst/>
+                <a:latin typeface="Consolas" panose="020B0609020204030204" pitchFamily="49" charset="0"/>
+                <a:cs typeface="Consolas" panose="020B0609020204030204" pitchFamily="49" charset="0"/>
+              </a:rPr>
+              <a:t>float</a:t>
+            </a:r>
+            <a:r>
+              <a:rPr kumimoji="0" lang="en-US" altLang="en-US" sz="2400" b="0" i="0" u="none" strike="noStrike" cap="none" normalizeH="0" baseline="0" dirty="0" smtClean="0">
+                <a:ln>
+                  <a:noFill/>
+                </a:ln>
+                <a:solidFill>
+                  <a:srgbClr val="000000"/>
+                </a:solidFill>
+                <a:effectLst/>
+                <a:latin typeface="Consolas" panose="020B0609020204030204" pitchFamily="49" charset="0"/>
+                <a:cs typeface="Consolas" panose="020B0609020204030204" pitchFamily="49" charset="0"/>
+              </a:rPr>
+              <a:t>(first) </a:t>
+            </a:r>
+          </a:p>
+          <a:p>
+            <a:pPr marL="0" marR="0" lvl="0" indent="0" algn="l" defTabSz="914400" rtl="0" eaLnBrk="0" fontAlgn="base" latinLnBrk="0" hangingPunct="0">
+              <a:lnSpc>
+                <a:spcPct val="100000"/>
+              </a:lnSpc>
+              <a:spcBef>
+                <a:spcPct val="0"/>
+              </a:spcBef>
+              <a:spcAft>
+                <a:spcPct val="0"/>
+              </a:spcAft>
+              <a:buClrTx/>
+              <a:buSzTx/>
+              <a:buFontTx/>
+              <a:buNone/>
+              <a:tabLst/>
+            </a:pPr>
+            <a:r>
+              <a:rPr kumimoji="0" lang="en-US" altLang="en-US" sz="2400" b="0" i="0" u="none" strike="noStrike" cap="none" normalizeH="0" baseline="0" dirty="0" err="1" smtClean="0">
+                <a:ln>
+                  <a:noFill/>
+                </a:ln>
+                <a:solidFill>
+                  <a:srgbClr val="000000"/>
+                </a:solidFill>
+                <a:effectLst/>
+                <a:latin typeface="Consolas" panose="020B0609020204030204" pitchFamily="49" charset="0"/>
+                <a:cs typeface="Consolas" panose="020B0609020204030204" pitchFamily="49" charset="0"/>
+              </a:rPr>
+              <a:t>secondNumber</a:t>
+            </a:r>
+            <a:r>
+              <a:rPr kumimoji="0" lang="en-US" altLang="en-US" sz="2400" b="0" i="0" u="none" strike="noStrike" cap="none" normalizeH="0" baseline="0" dirty="0" smtClean="0">
+                <a:ln>
+                  <a:noFill/>
+                </a:ln>
+                <a:solidFill>
+                  <a:srgbClr val="000000"/>
+                </a:solidFill>
+                <a:effectLst/>
+                <a:latin typeface="Consolas" panose="020B0609020204030204" pitchFamily="49" charset="0"/>
+                <a:cs typeface="Consolas" panose="020B0609020204030204" pitchFamily="49" charset="0"/>
+              </a:rPr>
+              <a:t> = </a:t>
+            </a:r>
+            <a:r>
+              <a:rPr kumimoji="0" lang="en-US" altLang="en-US" sz="2400" b="0" i="0" u="none" strike="noStrike" cap="none" normalizeH="0" baseline="0" dirty="0" smtClean="0">
+                <a:ln>
+                  <a:noFill/>
+                </a:ln>
+                <a:solidFill>
+                  <a:srgbClr val="2B91AF"/>
+                </a:solidFill>
+                <a:effectLst/>
+                <a:latin typeface="Consolas" panose="020B0609020204030204" pitchFamily="49" charset="0"/>
+                <a:cs typeface="Consolas" panose="020B0609020204030204" pitchFamily="49" charset="0"/>
+              </a:rPr>
+              <a:t>float</a:t>
+            </a:r>
+            <a:r>
+              <a:rPr kumimoji="0" lang="en-US" altLang="en-US" sz="2400" b="0" i="0" u="none" strike="noStrike" cap="none" normalizeH="0" baseline="0" dirty="0" smtClean="0">
+                <a:ln>
+                  <a:noFill/>
+                </a:ln>
+                <a:solidFill>
+                  <a:srgbClr val="000000"/>
+                </a:solidFill>
+                <a:effectLst/>
+                <a:latin typeface="Consolas" panose="020B0609020204030204" pitchFamily="49" charset="0"/>
+                <a:cs typeface="Consolas" panose="020B0609020204030204" pitchFamily="49" charset="0"/>
+              </a:rPr>
+              <a:t>(second) </a:t>
+            </a:r>
+          </a:p>
+          <a:p>
+            <a:pPr marL="0" marR="0" lvl="0" indent="0" algn="l" defTabSz="914400" rtl="0" eaLnBrk="0" fontAlgn="base" latinLnBrk="0" hangingPunct="0">
+              <a:lnSpc>
+                <a:spcPct val="100000"/>
+              </a:lnSpc>
+              <a:spcBef>
+                <a:spcPct val="0"/>
+              </a:spcBef>
+              <a:spcAft>
+                <a:spcPct val="0"/>
+              </a:spcAft>
+              <a:buClrTx/>
+              <a:buSzTx/>
+              <a:buFontTx/>
+              <a:buNone/>
+              <a:tabLst/>
+            </a:pPr>
+            <a:r>
+              <a:rPr kumimoji="0" lang="en-US" altLang="en-US" sz="2400" b="0" i="0" u="none" strike="noStrike" cap="none" normalizeH="0" baseline="0" dirty="0" smtClean="0">
+                <a:ln>
+                  <a:noFill/>
+                </a:ln>
+                <a:solidFill>
+                  <a:srgbClr val="0000FF"/>
+                </a:solidFill>
+                <a:effectLst/>
+                <a:latin typeface="Consolas" panose="020B0609020204030204" pitchFamily="49" charset="0"/>
+                <a:cs typeface="Consolas" panose="020B0609020204030204" pitchFamily="49" charset="0"/>
+              </a:rPr>
+              <a:t>try</a:t>
+            </a:r>
+            <a:r>
+              <a:rPr kumimoji="0" lang="en-US" altLang="en-US" sz="2400" b="0" i="0" u="none" strike="noStrike" cap="none" normalizeH="0" baseline="0" dirty="0" smtClean="0">
+                <a:ln>
+                  <a:noFill/>
+                </a:ln>
+                <a:solidFill>
+                  <a:srgbClr val="000000"/>
+                </a:solidFill>
+                <a:effectLst/>
+                <a:latin typeface="Consolas" panose="020B0609020204030204" pitchFamily="49" charset="0"/>
+                <a:cs typeface="Consolas" panose="020B0609020204030204" pitchFamily="49" charset="0"/>
+              </a:rPr>
+              <a:t> :</a:t>
+            </a:r>
+          </a:p>
+          <a:p>
+            <a:pPr marL="0" marR="0" lvl="0" indent="0" algn="l" defTabSz="914400" rtl="0" eaLnBrk="0" fontAlgn="base" latinLnBrk="0" hangingPunct="0">
+              <a:lnSpc>
+                <a:spcPct val="100000"/>
+              </a:lnSpc>
+              <a:spcBef>
+                <a:spcPct val="0"/>
+              </a:spcBef>
+              <a:spcAft>
+                <a:spcPct val="0"/>
+              </a:spcAft>
+              <a:buClrTx/>
+              <a:buSzTx/>
+              <a:buFontTx/>
+              <a:buNone/>
+              <a:tabLst/>
+            </a:pPr>
+            <a:r>
+              <a:rPr kumimoji="0" lang="en-US" altLang="en-US" sz="2400" b="0" i="0" u="none" strike="noStrike" cap="none" normalizeH="0" baseline="0" dirty="0" smtClean="0">
+                <a:ln>
+                  <a:noFill/>
+                </a:ln>
+                <a:solidFill>
+                  <a:srgbClr val="000000"/>
+                </a:solidFill>
+                <a:effectLst/>
+                <a:latin typeface="Consolas" panose="020B0609020204030204" pitchFamily="49" charset="0"/>
+                <a:cs typeface="Consolas" panose="020B0609020204030204" pitchFamily="49" charset="0"/>
+              </a:rPr>
+              <a:t>    	result = </a:t>
+            </a:r>
+            <a:r>
+              <a:rPr kumimoji="0" lang="en-US" altLang="en-US" sz="2400" b="0" i="0" u="none" strike="noStrike" cap="none" normalizeH="0" baseline="0" dirty="0" err="1" smtClean="0">
+                <a:ln>
+                  <a:noFill/>
+                </a:ln>
+                <a:solidFill>
+                  <a:srgbClr val="000000"/>
+                </a:solidFill>
+                <a:effectLst/>
+                <a:latin typeface="Consolas" panose="020B0609020204030204" pitchFamily="49" charset="0"/>
+                <a:cs typeface="Consolas" panose="020B0609020204030204" pitchFamily="49" charset="0"/>
+              </a:rPr>
+              <a:t>firstNumber</a:t>
+            </a:r>
+            <a:r>
+              <a:rPr kumimoji="0" lang="en-US" altLang="en-US" sz="2400" b="0" i="0" u="none" strike="noStrike" cap="none" normalizeH="0" baseline="0" dirty="0" smtClean="0">
+                <a:ln>
+                  <a:noFill/>
+                </a:ln>
+                <a:solidFill>
+                  <a:srgbClr val="000000"/>
+                </a:solidFill>
+                <a:effectLst/>
+                <a:latin typeface="Consolas" panose="020B0609020204030204" pitchFamily="49" charset="0"/>
+                <a:cs typeface="Consolas" panose="020B0609020204030204" pitchFamily="49" charset="0"/>
+              </a:rPr>
+              <a:t> / </a:t>
+            </a:r>
+            <a:r>
+              <a:rPr kumimoji="0" lang="en-US" altLang="en-US" sz="2400" b="0" i="0" u="none" strike="noStrike" cap="none" normalizeH="0" baseline="0" dirty="0" err="1" smtClean="0">
+                <a:ln>
+                  <a:noFill/>
+                </a:ln>
+                <a:solidFill>
+                  <a:srgbClr val="000000"/>
+                </a:solidFill>
+                <a:effectLst/>
+                <a:latin typeface="Consolas" panose="020B0609020204030204" pitchFamily="49" charset="0"/>
+                <a:cs typeface="Consolas" panose="020B0609020204030204" pitchFamily="49" charset="0"/>
+              </a:rPr>
+              <a:t>secondNumber</a:t>
+            </a:r>
+            <a:endParaRPr kumimoji="0" lang="en-US" altLang="en-US" sz="2400" b="0" i="0" u="none" strike="noStrike" cap="none" normalizeH="0" baseline="0" dirty="0" smtClean="0">
+              <a:ln>
+                <a:noFill/>
+              </a:ln>
+              <a:solidFill>
+                <a:srgbClr val="000000"/>
+              </a:solidFill>
+              <a:effectLst/>
+              <a:latin typeface="Consolas" panose="020B0609020204030204" pitchFamily="49" charset="0"/>
+              <a:cs typeface="Consolas" panose="020B0609020204030204" pitchFamily="49" charset="0"/>
+            </a:endParaRPr>
+          </a:p>
+          <a:p>
+            <a:pPr marL="0" marR="0" lvl="0" indent="0" algn="l" defTabSz="914400" rtl="0" eaLnBrk="0" fontAlgn="base" latinLnBrk="0" hangingPunct="0">
+              <a:lnSpc>
+                <a:spcPct val="100000"/>
+              </a:lnSpc>
+              <a:spcBef>
+                <a:spcPct val="0"/>
+              </a:spcBef>
+              <a:spcAft>
+                <a:spcPct val="0"/>
+              </a:spcAft>
+              <a:buClrTx/>
+              <a:buSzTx/>
+              <a:buFontTx/>
+              <a:buNone/>
+              <a:tabLst/>
+            </a:pPr>
+            <a:r>
+              <a:rPr kumimoji="0" lang="en-US" altLang="en-US" sz="2400" b="0" i="0" u="none" strike="noStrike" cap="none" normalizeH="0" baseline="0" dirty="0" smtClean="0">
+                <a:ln>
+                  <a:noFill/>
+                </a:ln>
+                <a:solidFill>
+                  <a:srgbClr val="000000"/>
+                </a:solidFill>
+                <a:effectLst/>
+                <a:latin typeface="Consolas" panose="020B0609020204030204" pitchFamily="49" charset="0"/>
+                <a:cs typeface="Consolas" panose="020B0609020204030204" pitchFamily="49" charset="0"/>
+              </a:rPr>
+              <a:t>    	print (first + </a:t>
+            </a:r>
+            <a:r>
+              <a:rPr kumimoji="0" lang="en-US" altLang="en-US" sz="2400" b="0" i="0" u="none" strike="noStrike" cap="none" normalizeH="0" baseline="0" dirty="0" smtClean="0">
+                <a:ln>
+                  <a:noFill/>
+                </a:ln>
+                <a:solidFill>
+                  <a:srgbClr val="A31515"/>
+                </a:solidFill>
+                <a:effectLst/>
+                <a:latin typeface="Consolas" panose="020B0609020204030204" pitchFamily="49" charset="0"/>
+                <a:cs typeface="Consolas" panose="020B0609020204030204" pitchFamily="49" charset="0"/>
+              </a:rPr>
+              <a:t>" / "</a:t>
+            </a:r>
+            <a:r>
+              <a:rPr kumimoji="0" lang="en-US" altLang="en-US" sz="2400" b="0" i="0" u="none" strike="noStrike" cap="none" normalizeH="0" baseline="0" dirty="0" smtClean="0">
+                <a:ln>
+                  <a:noFill/>
+                </a:ln>
+                <a:solidFill>
+                  <a:srgbClr val="000000"/>
+                </a:solidFill>
+                <a:effectLst/>
+                <a:latin typeface="Consolas" panose="020B0609020204030204" pitchFamily="49" charset="0"/>
+                <a:cs typeface="Consolas" panose="020B0609020204030204" pitchFamily="49" charset="0"/>
+              </a:rPr>
+              <a:t> + second + </a:t>
+            </a:r>
+            <a:r>
+              <a:rPr kumimoji="0" lang="en-US" altLang="en-US" sz="2400" b="0" i="0" u="none" strike="noStrike" cap="none" normalizeH="0" baseline="0" dirty="0" smtClean="0">
+                <a:ln>
+                  <a:noFill/>
+                </a:ln>
+                <a:solidFill>
+                  <a:srgbClr val="A31515"/>
+                </a:solidFill>
+                <a:effectLst/>
+                <a:latin typeface="Consolas" panose="020B0609020204030204" pitchFamily="49" charset="0"/>
+                <a:cs typeface="Consolas" panose="020B0609020204030204" pitchFamily="49" charset="0"/>
+              </a:rPr>
+              <a:t>" = "</a:t>
+            </a:r>
+            <a:r>
+              <a:rPr kumimoji="0" lang="en-US" altLang="en-US" sz="2400" b="0" i="0" u="none" strike="noStrike" cap="none" normalizeH="0" baseline="0" dirty="0" smtClean="0">
+                <a:ln>
+                  <a:noFill/>
+                </a:ln>
+                <a:solidFill>
+                  <a:srgbClr val="000000"/>
+                </a:solidFill>
+                <a:effectLst/>
+                <a:latin typeface="Consolas" panose="020B0609020204030204" pitchFamily="49" charset="0"/>
+                <a:cs typeface="Consolas" panose="020B0609020204030204" pitchFamily="49" charset="0"/>
+              </a:rPr>
+              <a:t> + </a:t>
+            </a:r>
+            <a:r>
+              <a:rPr kumimoji="0" lang="en-US" altLang="en-US" sz="2400" b="0" i="0" u="none" strike="noStrike" cap="none" normalizeH="0" baseline="0" dirty="0" err="1" smtClean="0">
+                <a:ln>
+                  <a:noFill/>
+                </a:ln>
+                <a:solidFill>
+                  <a:srgbClr val="2B91AF"/>
+                </a:solidFill>
+                <a:effectLst/>
+                <a:latin typeface="Consolas" panose="020B0609020204030204" pitchFamily="49" charset="0"/>
+                <a:cs typeface="Consolas" panose="020B0609020204030204" pitchFamily="49" charset="0"/>
+              </a:rPr>
+              <a:t>str</a:t>
+            </a:r>
+            <a:r>
+              <a:rPr kumimoji="0" lang="en-US" altLang="en-US" sz="2400" b="0" i="0" u="none" strike="noStrike" cap="none" normalizeH="0" baseline="0" dirty="0" smtClean="0">
+                <a:ln>
+                  <a:noFill/>
+                </a:ln>
+                <a:solidFill>
+                  <a:srgbClr val="000000"/>
+                </a:solidFill>
+                <a:effectLst/>
+                <a:latin typeface="Consolas" panose="020B0609020204030204" pitchFamily="49" charset="0"/>
+                <a:cs typeface="Consolas" panose="020B0609020204030204" pitchFamily="49" charset="0"/>
+              </a:rPr>
+              <a:t>(result))</a:t>
+            </a:r>
+          </a:p>
+          <a:p>
+            <a:pPr marL="0" indent="0" defTabSz="914400" eaLnBrk="0" fontAlgn="base" hangingPunct="0">
+              <a:spcBef>
+                <a:spcPct val="0"/>
+              </a:spcBef>
+              <a:spcAft>
+                <a:spcPct val="0"/>
+              </a:spcAft>
+              <a:buNone/>
+            </a:pPr>
+            <a:r>
+              <a:rPr lang="en-US" altLang="en-US" sz="2400" dirty="0">
+                <a:solidFill>
+                  <a:srgbClr val="0000FF"/>
+                </a:solidFill>
+                <a:latin typeface="Consolas" panose="020B0609020204030204" pitchFamily="49" charset="0"/>
+                <a:cs typeface="Consolas" panose="020B0609020204030204" pitchFamily="49" charset="0"/>
+              </a:rPr>
+              <a:t>except</a:t>
+            </a:r>
+            <a:r>
+              <a:rPr lang="en-US" altLang="en-US" sz="2400" dirty="0">
+                <a:solidFill>
+                  <a:srgbClr val="000000"/>
+                </a:solidFill>
+                <a:latin typeface="Consolas" panose="020B0609020204030204" pitchFamily="49" charset="0"/>
+                <a:cs typeface="Consolas" panose="020B0609020204030204" pitchFamily="49" charset="0"/>
+              </a:rPr>
+              <a:t> </a:t>
+            </a:r>
+            <a:r>
+              <a:rPr lang="en-US" altLang="en-US" sz="2400" dirty="0" err="1">
+                <a:solidFill>
+                  <a:srgbClr val="2B91AF"/>
+                </a:solidFill>
+                <a:latin typeface="Consolas" panose="020B0609020204030204" pitchFamily="49" charset="0"/>
+                <a:cs typeface="Consolas" panose="020B0609020204030204" pitchFamily="49" charset="0"/>
+              </a:rPr>
+              <a:t>ZeroDivisionError</a:t>
+            </a:r>
+            <a:r>
+              <a:rPr lang="en-US" altLang="en-US" sz="2400" dirty="0">
+                <a:solidFill>
+                  <a:srgbClr val="000000"/>
+                </a:solidFill>
+                <a:latin typeface="Consolas" panose="020B0609020204030204" pitchFamily="49" charset="0"/>
+                <a:cs typeface="Consolas" panose="020B0609020204030204" pitchFamily="49" charset="0"/>
+              </a:rPr>
+              <a:t> </a:t>
+            </a:r>
+            <a:r>
+              <a:rPr lang="en-US" altLang="en-US" sz="2400" dirty="0" smtClean="0">
+                <a:solidFill>
+                  <a:srgbClr val="000000"/>
+                </a:solidFill>
+                <a:latin typeface="Consolas" panose="020B0609020204030204" pitchFamily="49" charset="0"/>
+                <a:cs typeface="Consolas" panose="020B0609020204030204" pitchFamily="49" charset="0"/>
+              </a:rPr>
+              <a:t>:</a:t>
+            </a:r>
+          </a:p>
+          <a:p>
+            <a:pPr marL="0" indent="0" defTabSz="914400" eaLnBrk="0" fontAlgn="base" hangingPunct="0">
+              <a:spcBef>
+                <a:spcPct val="0"/>
+              </a:spcBef>
+              <a:spcAft>
+                <a:spcPct val="0"/>
+              </a:spcAft>
+              <a:buNone/>
+            </a:pPr>
+            <a:r>
+              <a:rPr lang="en-US" altLang="en-US" sz="2400" dirty="0" smtClean="0">
+                <a:solidFill>
+                  <a:srgbClr val="000000"/>
+                </a:solidFill>
+                <a:latin typeface="Consolas" panose="020B0609020204030204" pitchFamily="49" charset="0"/>
+                <a:cs typeface="Consolas" panose="020B0609020204030204" pitchFamily="49" charset="0"/>
+              </a:rPr>
+              <a:t> </a:t>
+            </a:r>
+            <a:r>
+              <a:rPr lang="en-US" altLang="en-US" sz="2400" dirty="0">
+                <a:solidFill>
+                  <a:srgbClr val="000000"/>
+                </a:solidFill>
+                <a:latin typeface="Consolas" panose="020B0609020204030204" pitchFamily="49" charset="0"/>
+                <a:cs typeface="Consolas" panose="020B0609020204030204" pitchFamily="49" charset="0"/>
+              </a:rPr>
+              <a:t>   </a:t>
+            </a:r>
+            <a:r>
+              <a:rPr lang="en-US" altLang="en-US" sz="2400" dirty="0" smtClean="0">
+                <a:solidFill>
+                  <a:srgbClr val="000000"/>
+                </a:solidFill>
+                <a:latin typeface="Consolas" panose="020B0609020204030204" pitchFamily="49" charset="0"/>
+                <a:cs typeface="Consolas" panose="020B0609020204030204" pitchFamily="49" charset="0"/>
+              </a:rPr>
+              <a:t>	print</a:t>
+            </a:r>
+            <a:r>
+              <a:rPr lang="en-US" altLang="en-US" sz="2400" dirty="0">
+                <a:solidFill>
+                  <a:srgbClr val="000000"/>
+                </a:solidFill>
+                <a:latin typeface="Consolas" panose="020B0609020204030204" pitchFamily="49" charset="0"/>
+                <a:cs typeface="Consolas" panose="020B0609020204030204" pitchFamily="49" charset="0"/>
+              </a:rPr>
+              <a:t>(</a:t>
+            </a:r>
+            <a:r>
+              <a:rPr lang="en-US" altLang="en-US" sz="2400" dirty="0">
+                <a:solidFill>
+                  <a:srgbClr val="A31515"/>
+                </a:solidFill>
+                <a:latin typeface="Consolas" panose="020B0609020204030204" pitchFamily="49" charset="0"/>
+                <a:cs typeface="Consolas" panose="020B0609020204030204" pitchFamily="49" charset="0"/>
+              </a:rPr>
+              <a:t>"The answer is infinity</a:t>
+            </a:r>
+            <a:r>
+              <a:rPr lang="en-US" altLang="en-US" sz="2400" dirty="0" smtClean="0">
+                <a:solidFill>
+                  <a:srgbClr val="A31515"/>
+                </a:solidFill>
+                <a:latin typeface="Consolas" panose="020B0609020204030204" pitchFamily="49" charset="0"/>
+                <a:cs typeface="Consolas" panose="020B0609020204030204" pitchFamily="49" charset="0"/>
+              </a:rPr>
+              <a:t>"</a:t>
+            </a:r>
+            <a:r>
+              <a:rPr lang="en-US" altLang="en-US" sz="2400" dirty="0" smtClean="0">
+                <a:solidFill>
+                  <a:srgbClr val="000000"/>
+                </a:solidFill>
+                <a:latin typeface="Consolas" panose="020B0609020204030204" pitchFamily="49" charset="0"/>
+                <a:cs typeface="Consolas" panose="020B0609020204030204" pitchFamily="49" charset="0"/>
+              </a:rPr>
+              <a:t>)</a:t>
+            </a:r>
+          </a:p>
+          <a:p>
+            <a:pPr marL="0" lvl="0" indent="0" defTabSz="914400" eaLnBrk="0" fontAlgn="base" hangingPunct="0">
+              <a:spcBef>
+                <a:spcPct val="0"/>
+              </a:spcBef>
+              <a:spcAft>
+                <a:spcPct val="0"/>
+              </a:spcAft>
+              <a:buNone/>
+            </a:pPr>
+            <a:r>
+              <a:rPr lang="en-US" altLang="en-US" sz="2400" dirty="0">
+                <a:solidFill>
+                  <a:srgbClr val="0000FF"/>
+                </a:solidFill>
+                <a:latin typeface="Consolas" panose="020B0609020204030204" pitchFamily="49" charset="0"/>
+                <a:cs typeface="Consolas" panose="020B0609020204030204" pitchFamily="49" charset="0"/>
+              </a:rPr>
+              <a:t>except</a:t>
+            </a:r>
+            <a:r>
+              <a:rPr lang="en-US" altLang="en-US" sz="2400" dirty="0">
+                <a:solidFill>
+                  <a:srgbClr val="000000"/>
+                </a:solidFill>
+                <a:latin typeface="Consolas" panose="020B0609020204030204" pitchFamily="49" charset="0"/>
+                <a:cs typeface="Consolas" panose="020B0609020204030204" pitchFamily="49" charset="0"/>
+              </a:rPr>
+              <a:t> :</a:t>
+            </a:r>
+          </a:p>
+          <a:p>
+            <a:pPr marL="0" indent="0" defTabSz="914400" eaLnBrk="0" fontAlgn="base" hangingPunct="0">
+              <a:spcBef>
+                <a:spcPct val="0"/>
+              </a:spcBef>
+              <a:spcAft>
+                <a:spcPct val="0"/>
+              </a:spcAft>
+              <a:buNone/>
+            </a:pPr>
+            <a:r>
+              <a:rPr lang="en-US" altLang="en-US" sz="2400" dirty="0">
+                <a:solidFill>
+                  <a:srgbClr val="000000"/>
+                </a:solidFill>
+                <a:latin typeface="Consolas" panose="020B0609020204030204" pitchFamily="49" charset="0"/>
+                <a:cs typeface="Consolas" panose="020B0609020204030204" pitchFamily="49" charset="0"/>
+              </a:rPr>
+              <a:t>	error = </a:t>
+            </a:r>
+            <a:r>
+              <a:rPr lang="en-US" altLang="en-US" sz="2400" dirty="0" err="1">
+                <a:solidFill>
+                  <a:srgbClr val="6F008A"/>
+                </a:solidFill>
+                <a:latin typeface="Consolas" panose="020B0609020204030204" pitchFamily="49" charset="0"/>
+                <a:cs typeface="Consolas" panose="020B0609020204030204" pitchFamily="49" charset="0"/>
+              </a:rPr>
+              <a:t>sys</a:t>
+            </a:r>
+            <a:r>
+              <a:rPr lang="en-US" altLang="en-US" sz="2400" dirty="0" err="1">
+                <a:solidFill>
+                  <a:srgbClr val="000000"/>
+                </a:solidFill>
+                <a:latin typeface="Consolas" panose="020B0609020204030204" pitchFamily="49" charset="0"/>
+                <a:cs typeface="Consolas" panose="020B0609020204030204" pitchFamily="49" charset="0"/>
+              </a:rPr>
+              <a:t>.exc_info</a:t>
+            </a:r>
+            <a:r>
+              <a:rPr lang="en-US" altLang="en-US" sz="2400" dirty="0">
+                <a:solidFill>
+                  <a:srgbClr val="000000"/>
+                </a:solidFill>
+                <a:latin typeface="Consolas" panose="020B0609020204030204" pitchFamily="49" charset="0"/>
+                <a:cs typeface="Consolas" panose="020B0609020204030204" pitchFamily="49" charset="0"/>
+              </a:rPr>
+              <a:t>()[0]</a:t>
+            </a:r>
+          </a:p>
+          <a:p>
+            <a:pPr marL="0" indent="0" defTabSz="914400" eaLnBrk="0" fontAlgn="base" hangingPunct="0">
+              <a:spcBef>
+                <a:spcPct val="0"/>
+              </a:spcBef>
+              <a:spcAft>
+                <a:spcPct val="0"/>
+              </a:spcAft>
+              <a:buNone/>
+            </a:pPr>
+            <a:r>
+              <a:rPr lang="en-US" altLang="en-US" sz="2400" dirty="0">
+                <a:solidFill>
+                  <a:srgbClr val="000000"/>
+                </a:solidFill>
+                <a:latin typeface="Consolas" panose="020B0609020204030204" pitchFamily="49" charset="0"/>
+                <a:cs typeface="Consolas" panose="020B0609020204030204" pitchFamily="49" charset="0"/>
+              </a:rPr>
+              <a:t>    	print(</a:t>
+            </a:r>
+            <a:r>
+              <a:rPr lang="en-US" altLang="en-US" sz="2400" dirty="0">
+                <a:solidFill>
+                  <a:srgbClr val="A31515"/>
+                </a:solidFill>
+                <a:latin typeface="Consolas" panose="020B0609020204030204" pitchFamily="49" charset="0"/>
+                <a:cs typeface="Consolas" panose="020B0609020204030204" pitchFamily="49" charset="0"/>
+              </a:rPr>
+              <a:t>"I am sorry something went wrong"</a:t>
+            </a:r>
+            <a:r>
+              <a:rPr lang="en-US" altLang="en-US" sz="2400" dirty="0">
+                <a:solidFill>
+                  <a:srgbClr val="000000"/>
+                </a:solidFill>
+                <a:latin typeface="Consolas" panose="020B0609020204030204" pitchFamily="49" charset="0"/>
+                <a:cs typeface="Consolas" panose="020B0609020204030204" pitchFamily="49" charset="0"/>
+              </a:rPr>
+              <a:t>)</a:t>
+            </a:r>
+          </a:p>
+          <a:p>
+            <a:pPr marL="0" indent="0" defTabSz="914400" eaLnBrk="0" fontAlgn="base" hangingPunct="0">
+              <a:spcBef>
+                <a:spcPct val="0"/>
+              </a:spcBef>
+              <a:spcAft>
+                <a:spcPct val="0"/>
+              </a:spcAft>
+              <a:buNone/>
+            </a:pPr>
+            <a:r>
+              <a:rPr lang="en-US" altLang="en-US" sz="2400" dirty="0">
+                <a:solidFill>
+                  <a:srgbClr val="000000"/>
+                </a:solidFill>
+                <a:latin typeface="Consolas" panose="020B0609020204030204" pitchFamily="49" charset="0"/>
+                <a:cs typeface="Consolas" panose="020B0609020204030204" pitchFamily="49" charset="0"/>
+              </a:rPr>
+              <a:t>    	</a:t>
+            </a:r>
+            <a:r>
+              <a:rPr lang="en-US" altLang="en-US" sz="2400" dirty="0" smtClean="0">
+                <a:solidFill>
+                  <a:srgbClr val="000000"/>
+                </a:solidFill>
+                <a:latin typeface="Consolas" panose="020B0609020204030204" pitchFamily="49" charset="0"/>
+                <a:cs typeface="Consolas" panose="020B0609020204030204" pitchFamily="49" charset="0"/>
+              </a:rPr>
+              <a:t>print(error)</a:t>
+            </a:r>
+          </a:p>
+          <a:p>
+            <a:pPr marL="0" indent="0" defTabSz="914400" eaLnBrk="0" fontAlgn="base" hangingPunct="0">
+              <a:spcBef>
+                <a:spcPct val="0"/>
+              </a:spcBef>
+              <a:spcAft>
+                <a:spcPct val="0"/>
+              </a:spcAft>
+              <a:buNone/>
+            </a:pPr>
+            <a:r>
+              <a:rPr lang="en-US" altLang="en-US" sz="2400" dirty="0" smtClean="0">
+                <a:solidFill>
+                  <a:srgbClr val="000000"/>
+                </a:solidFill>
+                <a:latin typeface="Consolas" panose="020B0609020204030204" pitchFamily="49" charset="0"/>
+                <a:cs typeface="Consolas" panose="020B0609020204030204" pitchFamily="49" charset="0"/>
+              </a:rPr>
+              <a:t>print(</a:t>
+            </a:r>
+            <a:r>
+              <a:rPr lang="en-US" altLang="en-US" sz="2400" dirty="0">
+                <a:solidFill>
+                  <a:srgbClr val="A31515"/>
+                </a:solidFill>
+                <a:latin typeface="Consolas" panose="020B0609020204030204" pitchFamily="49" charset="0"/>
+                <a:cs typeface="Consolas" panose="020B0609020204030204" pitchFamily="49" charset="0"/>
+              </a:rPr>
+              <a:t>"</a:t>
+            </a:r>
+            <a:r>
+              <a:rPr lang="en-US" altLang="en-US" sz="2400" dirty="0" smtClean="0">
+                <a:solidFill>
+                  <a:srgbClr val="A31515"/>
+                </a:solidFill>
+                <a:latin typeface="Consolas" panose="020B0609020204030204" pitchFamily="49" charset="0"/>
+                <a:cs typeface="Consolas" panose="020B0609020204030204" pitchFamily="49" charset="0"/>
+              </a:rPr>
+              <a:t>This message always displays!"</a:t>
+            </a:r>
+            <a:r>
+              <a:rPr lang="en-US" altLang="en-US" sz="2400" dirty="0" smtClean="0">
+                <a:solidFill>
+                  <a:srgbClr val="000000"/>
+                </a:solidFill>
+                <a:latin typeface="Consolas" panose="020B0609020204030204" pitchFamily="49" charset="0"/>
+                <a:cs typeface="Consolas" panose="020B0609020204030204" pitchFamily="49" charset="0"/>
+              </a:rPr>
+              <a:t>) </a:t>
+            </a:r>
+            <a:endParaRPr lang="en-US" altLang="en-US" sz="2400" dirty="0">
+              <a:latin typeface="Arial" panose="020B0604020202020204" pitchFamily="34" charset="0"/>
+            </a:endParaRPr>
+          </a:p>
+        </p:txBody>
+      </p:sp>
+      <p:sp>
+        <p:nvSpPr>
+          <p:cNvPr id="8" name="Rectangle 7"/>
+          <p:cNvSpPr/>
+          <p:nvPr/>
+        </p:nvSpPr>
+        <p:spPr>
+          <a:xfrm>
+            <a:off x="379514" y="6032810"/>
+            <a:ext cx="8306914" cy="602166"/>
+          </a:xfrm>
+          <a:prstGeom prst="rect">
+            <a:avLst/>
+          </a:prstGeom>
+          <a:noFill/>
+          <a:ln w="19050">
+            <a:solidFill>
+              <a:srgbClr val="FF0000"/>
+            </a:solidFill>
+          </a:ln>
+        </p:spPr>
+        <p:style>
+          <a:lnRef idx="2">
+            <a:schemeClr val="accent1">
+              <a:shade val="50000"/>
+            </a:schemeClr>
+          </a:lnRef>
+          <a:fillRef idx="1">
+            <a:schemeClr val="accent1"/>
+          </a:fillRef>
+          <a:effectRef idx="0">
+            <a:schemeClr val="accent1"/>
+          </a:effectRef>
+          <a:fontRef idx="minor">
+            <a:schemeClr val="lt1"/>
+          </a:fontRef>
+        </p:style>
+        <p:txBody>
+          <a:bodyPr rtlCol="0" anchor="ctr"/>
+          <a:lstStyle/>
+          <a:p>
+            <a:pPr algn="ctr"/>
+            <a:endParaRPr lang="en-US"/>
+          </a:p>
+        </p:txBody>
+      </p:sp>
+    </p:spTree>
+    <p:extLst>
+      <p:ext uri="{BB962C8B-B14F-4D97-AF65-F5344CB8AC3E}">
+        <p14:creationId xmlns:p14="http://schemas.microsoft.com/office/powerpoint/2010/main" val="471440831"/>
+      </p:ext>
+    </p:extLst>
+  </p:cSld>
+  <p:clrMapOvr>
+    <a:masterClrMapping/>
+  </p:clrMapOvr>
+  <p:timing>
+    <p:tnLst>
+      <p:par>
+        <p:cTn id="1" dur="indefinite" restart="never" nodeType="tmRoot">
+          <p:childTnLst>
+            <p:seq concurrent="1" nextAc="seek">
+              <p:cTn id="2" dur="indefinite" nodeType="mainSeq">
+                <p:childTnLst>
+                  <p:par>
+                    <p:cTn id="3" fill="hold">
+                      <p:stCondLst>
+                        <p:cond delay="indefinite"/>
+                      </p:stCondLst>
+                      <p:childTnLst>
+                        <p:par>
+                          <p:cTn id="4" fill="hold">
+                            <p:stCondLst>
+                              <p:cond delay="0"/>
+                            </p:stCondLst>
+                            <p:childTnLst>
+                              <p:par>
+                                <p:cTn id="5" presetID="1" presetClass="entr" presetSubtype="0" fill="hold" grpId="0" nodeType="clickEffect">
+                                  <p:stCondLst>
+                                    <p:cond delay="0"/>
+                                  </p:stCondLst>
+                                  <p:childTnLst>
+                                    <p:set>
+                                      <p:cBhvr>
+                                        <p:cTn id="6" dur="1" fill="hold">
+                                          <p:stCondLst>
+                                            <p:cond delay="0"/>
+                                          </p:stCondLst>
+                                        </p:cTn>
+                                        <p:tgtEl>
+                                          <p:spTgt spid="8"/>
+                                        </p:tgtEl>
+                                        <p:attrNameLst>
+                                          <p:attrName>style.visibility</p:attrName>
+                                        </p:attrNameLst>
+                                      </p:cBhvr>
+                                      <p:to>
+                                        <p:strVal val="visible"/>
+                                      </p:to>
+                                    </p:set>
+                                  </p:childTnLst>
+                                </p:cTn>
+                              </p:par>
+                            </p:childTnLst>
+                          </p:cTn>
+                        </p:par>
+                      </p:childTnLst>
+                    </p:cTn>
+                  </p:par>
+                </p:childTnLst>
+              </p:cTn>
+              <p:prevCondLst>
+                <p:cond evt="onPrev" delay="0">
+                  <p:tgtEl>
+                    <p:sldTgt/>
+                  </p:tgtEl>
+                </p:cond>
+              </p:prevCondLst>
+              <p:nextCondLst>
+                <p:cond evt="onNext" delay="0">
+                  <p:tgtEl>
+                    <p:sldTgt/>
+                  </p:tgtEl>
+                </p:cond>
+              </p:nextCondLst>
+            </p:seq>
+          </p:childTnLst>
+        </p:cTn>
+      </p:par>
+    </p:tnLst>
+    <p:bldLst>
+      <p:bldP spid="8" grpId="0" animBg="1"/>
+    </p:bldLst>
+  </p:timing>
+</p:sld>
+</file>
+
+<file path=ppt/slides/slide22.xml><?xml version="1.0" encoding="utf-8"?>
+<p:sld xmlns:a="http://schemas.openxmlformats.org/drawingml/2006/main" xmlns:r="http://schemas.openxmlformats.org/officeDocument/2006/relationships" xmlns:p="http://schemas.openxmlformats.org/presentationml/2006/main">
+  <p:cSld>
+    <p:spTree>
+      <p:nvGrpSpPr>
+        <p:cNvPr id="1" name=""/>
+        <p:cNvGrpSpPr/>
+        <p:nvPr/>
+      </p:nvGrpSpPr>
+      <p:grpSpPr>
+        <a:xfrm>
+          <a:off x="0" y="0"/>
+          <a:ext cx="0" cy="0"/>
+          <a:chOff x="0" y="0"/>
+          <a:chExt cx="0" cy="0"/>
+        </a:xfrm>
+      </p:grpSpPr>
+      <p:sp>
+        <p:nvSpPr>
           <p:cNvPr id="2" name="Title 1"/>
           <p:cNvSpPr>
             <a:spLocks noGrp="1"/>
@@ -12946,7 +13378,7 @@
 </p:sld>
 </file>
 
-<file path=ppt/slides/slide21.xml><?xml version="1.0" encoding="utf-8"?>
+<file path=ppt/slides/slide23.xml><?xml version="1.0" encoding="utf-8"?>
 <p:sld xmlns:a="http://schemas.openxmlformats.org/drawingml/2006/main" xmlns:r="http://schemas.openxmlformats.org/officeDocument/2006/relationships" xmlns:p="http://schemas.openxmlformats.org/presentationml/2006/main">
   <p:cSld>
     <p:spTree>
@@ -13780,7 +14212,7 @@
 </p:sld>
 </file>
 
-<file path=ppt/slides/slide22.xml><?xml version="1.0" encoding="utf-8"?>
+<file path=ppt/slides/slide24.xml><?xml version="1.0" encoding="utf-8"?>
 <p:sld xmlns:a="http://schemas.openxmlformats.org/drawingml/2006/main" xmlns:r="http://schemas.openxmlformats.org/officeDocument/2006/relationships" xmlns:p="http://schemas.openxmlformats.org/presentationml/2006/main">
   <p:cSld>
     <p:spTree>
@@ -13840,7 +14272,7 @@
 </p:sld>
 </file>
 
-<file path=ppt/slides/slide23.xml><?xml version="1.0" encoding="utf-8"?>
+<file path=ppt/slides/slide25.xml><?xml version="1.0" encoding="utf-8"?>
 <p:sld xmlns:a="http://schemas.openxmlformats.org/drawingml/2006/main" xmlns:r="http://schemas.openxmlformats.org/officeDocument/2006/relationships" xmlns:p="http://schemas.openxmlformats.org/presentationml/2006/main">
   <p:cSld>
     <p:spTree>
@@ -14629,7 +15061,7 @@
 </p:sld>
 </file>
 
-<file path=ppt/slides/slide24.xml><?xml version="1.0" encoding="utf-8"?>
+<file path=ppt/slides/slide26.xml><?xml version="1.0" encoding="utf-8"?>
 <p:sld xmlns:a="http://schemas.openxmlformats.org/drawingml/2006/main" xmlns:r="http://schemas.openxmlformats.org/officeDocument/2006/relationships" xmlns:p="http://schemas.openxmlformats.org/presentationml/2006/main">
   <p:cSld>
     <p:spTree>
@@ -14737,7 +15169,7 @@
 </p:sld>
 </file>
 
-<file path=ppt/slides/slide25.xml><?xml version="1.0" encoding="utf-8"?>
+<file path=ppt/slides/slide27.xml><?xml version="1.0" encoding="utf-8"?>
 <p:sld xmlns:a="http://schemas.openxmlformats.org/drawingml/2006/main" xmlns:r="http://schemas.openxmlformats.org/officeDocument/2006/relationships" xmlns:p="http://schemas.openxmlformats.org/presentationml/2006/main">
   <p:cSld>
     <p:spTree>
@@ -15008,7 +15440,7 @@
 </p:sld>
 </file>
 
-<file path=ppt/slides/slide26.xml><?xml version="1.0" encoding="utf-8"?>
+<file path=ppt/slides/slide28.xml><?xml version="1.0" encoding="utf-8"?>
 <p:sld xmlns:a="http://schemas.openxmlformats.org/drawingml/2006/main" xmlns:r="http://schemas.openxmlformats.org/officeDocument/2006/relationships" xmlns:p="http://schemas.openxmlformats.org/presentationml/2006/main">
   <p:cSld>
     <p:spTree>
@@ -15545,7 +15977,7 @@
 </p:sld>
 </file>
 
-<file path=ppt/slides/slide27.xml><?xml version="1.0" encoding="utf-8"?>
+<file path=ppt/slides/slide29.xml><?xml version="1.0" encoding="utf-8"?>
 <p:sld xmlns:a="http://schemas.openxmlformats.org/drawingml/2006/main" xmlns:r="http://schemas.openxmlformats.org/officeDocument/2006/relationships" xmlns:p="http://schemas.openxmlformats.org/presentationml/2006/main">
   <p:cSld>
     <p:spTree>
@@ -15868,212 +16300,6 @@
 </p:sld>
 </file>
 
-<file path=ppt/slides/slide28.xml><?xml version="1.0" encoding="utf-8"?>
-<p:sld xmlns:a="http://schemas.openxmlformats.org/drawingml/2006/main" xmlns:r="http://schemas.openxmlformats.org/officeDocument/2006/relationships" xmlns:p="http://schemas.openxmlformats.org/presentationml/2006/main">
-  <p:cSld>
-    <p:spTree>
-      <p:nvGrpSpPr>
-        <p:cNvPr id="1" name=""/>
-        <p:cNvGrpSpPr/>
-        <p:nvPr/>
-      </p:nvGrpSpPr>
-      <p:grpSpPr>
-        <a:xfrm>
-          <a:off x="0" y="0"/>
-          <a:ext cx="0" cy="0"/>
-          <a:chOff x="0" y="0"/>
-          <a:chExt cx="0" cy="0"/>
-        </a:xfrm>
-      </p:grpSpPr>
-      <p:sp>
-        <p:nvSpPr>
-          <p:cNvPr id="2" name="Title 1"/>
-          <p:cNvSpPr>
-            <a:spLocks noGrp="1"/>
-          </p:cNvSpPr>
-          <p:nvPr>
-            <p:ph type="title"/>
-          </p:nvPr>
-        </p:nvSpPr>
-        <p:spPr/>
-        <p:txBody>
-          <a:bodyPr/>
-          <a:lstStyle/>
-          <a:p>
-            <a:r>
-              <a:rPr lang="en-CA" dirty="0" smtClean="0"/>
-              <a:t>Your Challenge</a:t>
-            </a:r>
-            <a:endParaRPr lang="en-US" dirty="0"/>
-          </a:p>
-        </p:txBody>
-      </p:sp>
-      <p:sp>
-        <p:nvSpPr>
-          <p:cNvPr id="3" name="Content Placeholder 2"/>
-          <p:cNvSpPr>
-            <a:spLocks noGrp="1"/>
-          </p:cNvSpPr>
-          <p:nvPr>
-            <p:ph sz="quarter" idx="10"/>
-          </p:nvPr>
-        </p:nvSpPr>
-        <p:spPr/>
-        <p:txBody>
-          <a:bodyPr/>
-          <a:lstStyle/>
-          <a:p>
-            <a:r>
-              <a:rPr lang="en-CA" dirty="0" smtClean="0"/>
-              <a:t>Write code to open and read a file</a:t>
-            </a:r>
-          </a:p>
-          <a:p>
-            <a:r>
-              <a:rPr lang="en-CA" dirty="0" smtClean="0"/>
-              <a:t>Allow the user to specify the file name</a:t>
-            </a:r>
-          </a:p>
-          <a:p>
-            <a:r>
-              <a:rPr lang="en-CA" dirty="0" smtClean="0"/>
-              <a:t>Add error handling to provide a suitable error message if the file specified by the user could not be found</a:t>
-            </a:r>
-          </a:p>
-        </p:txBody>
-      </p:sp>
-    </p:spTree>
-    <p:extLst>
-      <p:ext uri="{BB962C8B-B14F-4D97-AF65-F5344CB8AC3E}">
-        <p14:creationId xmlns:p14="http://schemas.microsoft.com/office/powerpoint/2010/main" val="2557123206"/>
-      </p:ext>
-    </p:extLst>
-  </p:cSld>
-  <p:clrMapOvr>
-    <a:masterClrMapping/>
-  </p:clrMapOvr>
-  <p:timing>
-    <p:tnLst>
-      <p:par>
-        <p:cTn id="1" dur="indefinite" restart="never" nodeType="tmRoot"/>
-      </p:par>
-    </p:tnLst>
-  </p:timing>
-</p:sld>
-</file>
-
-<file path=ppt/slides/slide29.xml><?xml version="1.0" encoding="utf-8"?>
-<p:sld xmlns:a="http://schemas.openxmlformats.org/drawingml/2006/main" xmlns:r="http://schemas.openxmlformats.org/officeDocument/2006/relationships" xmlns:p="http://schemas.openxmlformats.org/presentationml/2006/main">
-  <p:cSld>
-    <p:spTree>
-      <p:nvGrpSpPr>
-        <p:cNvPr id="1" name=""/>
-        <p:cNvGrpSpPr/>
-        <p:nvPr/>
-      </p:nvGrpSpPr>
-      <p:grpSpPr>
-        <a:xfrm>
-          <a:off x="0" y="0"/>
-          <a:ext cx="0" cy="0"/>
-          <a:chOff x="0" y="0"/>
-          <a:chExt cx="0" cy="0"/>
-        </a:xfrm>
-      </p:grpSpPr>
-      <p:pic>
-        <p:nvPicPr>
-          <p:cNvPr id="6" name="Content Placeholder 5"/>
-          <p:cNvPicPr>
-            <a:picLocks noGrp="1" noChangeAspect="1"/>
-          </p:cNvPicPr>
-          <p:nvPr>
-            <p:ph sz="half" idx="2"/>
-          </p:nvPr>
-        </p:nvPicPr>
-        <p:blipFill>
-          <a:blip r:embed="rId2" cstate="print">
-            <a:extLst>
-              <a:ext uri="{28A0092B-C50C-407E-A947-70E740481C1C}">
-                <a14:useLocalDpi xmlns:a14="http://schemas.microsoft.com/office/drawing/2010/main" val="0"/>
-              </a:ext>
-            </a:extLst>
-          </a:blip>
-          <a:stretch>
-            <a:fillRect/>
-          </a:stretch>
-        </p:blipFill>
-        <p:spPr>
-          <a:xfrm>
-            <a:off x="1029907" y="1781908"/>
-            <a:ext cx="4480303" cy="3985845"/>
-          </a:xfrm>
-        </p:spPr>
-      </p:pic>
-      <p:sp>
-        <p:nvSpPr>
-          <p:cNvPr id="5" name="Content Placeholder 4"/>
-          <p:cNvSpPr>
-            <a:spLocks noGrp="1"/>
-          </p:cNvSpPr>
-          <p:nvPr>
-            <p:ph sz="quarter" idx="4"/>
-          </p:nvPr>
-        </p:nvSpPr>
-        <p:spPr/>
-        <p:txBody>
-          <a:bodyPr/>
-          <a:lstStyle/>
-          <a:p>
-            <a:r>
-              <a:rPr lang="en-CA" dirty="0" smtClean="0"/>
-              <a:t>You can now handle errors gracefully so your code doesn’t crash</a:t>
-            </a:r>
-            <a:endParaRPr lang="en-US" dirty="0"/>
-          </a:p>
-        </p:txBody>
-      </p:sp>
-      <p:sp>
-        <p:nvSpPr>
-          <p:cNvPr id="2" name="Title 1"/>
-          <p:cNvSpPr>
-            <a:spLocks noGrp="1"/>
-          </p:cNvSpPr>
-          <p:nvPr>
-            <p:ph type="title"/>
-          </p:nvPr>
-        </p:nvSpPr>
-        <p:spPr/>
-        <p:txBody>
-          <a:bodyPr/>
-          <a:lstStyle/>
-          <a:p>
-            <a:r>
-              <a:rPr lang="en-CA" dirty="0" smtClean="0"/>
-              <a:t>Congratulations</a:t>
-            </a:r>
-            <a:endParaRPr lang="en-US" dirty="0"/>
-          </a:p>
-        </p:txBody>
-      </p:sp>
-    </p:spTree>
-    <p:extLst>
-      <p:ext uri="{BB962C8B-B14F-4D97-AF65-F5344CB8AC3E}">
-        <p14:creationId xmlns:p14="http://schemas.microsoft.com/office/powerpoint/2010/main" val="1965120233"/>
-      </p:ext>
-    </p:extLst>
-  </p:cSld>
-  <p:clrMapOvr>
-    <a:masterClrMapping/>
-  </p:clrMapOvr>
-  <p:timing>
-    <p:tnLst>
-      <p:par>
-        <p:cTn id="1" dur="indefinite" restart="never" nodeType="tmRoot"/>
-      </p:par>
-    </p:tnLst>
-  </p:timing>
-</p:sld>
-</file>
-
 <file path=ppt/slides/slide3.xml><?xml version="1.0" encoding="utf-8"?>
 <p:sld xmlns:a="http://schemas.openxmlformats.org/drawingml/2006/main" xmlns:r="http://schemas.openxmlformats.org/officeDocument/2006/relationships" xmlns:p="http://schemas.openxmlformats.org/presentationml/2006/main">
   <p:cSld>
@@ -16368,6 +16594,212 @@
           <a:chExt cx="0" cy="0"/>
         </a:xfrm>
       </p:grpSpPr>
+      <p:sp>
+        <p:nvSpPr>
+          <p:cNvPr id="2" name="Title 1"/>
+          <p:cNvSpPr>
+            <a:spLocks noGrp="1"/>
+          </p:cNvSpPr>
+          <p:nvPr>
+            <p:ph type="title"/>
+          </p:nvPr>
+        </p:nvSpPr>
+        <p:spPr/>
+        <p:txBody>
+          <a:bodyPr/>
+          <a:lstStyle/>
+          <a:p>
+            <a:r>
+              <a:rPr lang="en-CA" dirty="0" smtClean="0"/>
+              <a:t>Your Challenge</a:t>
+            </a:r>
+            <a:endParaRPr lang="en-US" dirty="0"/>
+          </a:p>
+        </p:txBody>
+      </p:sp>
+      <p:sp>
+        <p:nvSpPr>
+          <p:cNvPr id="3" name="Content Placeholder 2"/>
+          <p:cNvSpPr>
+            <a:spLocks noGrp="1"/>
+          </p:cNvSpPr>
+          <p:nvPr>
+            <p:ph sz="quarter" idx="10"/>
+          </p:nvPr>
+        </p:nvSpPr>
+        <p:spPr/>
+        <p:txBody>
+          <a:bodyPr/>
+          <a:lstStyle/>
+          <a:p>
+            <a:r>
+              <a:rPr lang="en-CA" dirty="0" smtClean="0"/>
+              <a:t>Write code to open and read a file</a:t>
+            </a:r>
+          </a:p>
+          <a:p>
+            <a:r>
+              <a:rPr lang="en-CA" dirty="0" smtClean="0"/>
+              <a:t>Allow the user to specify the file name</a:t>
+            </a:r>
+          </a:p>
+          <a:p>
+            <a:r>
+              <a:rPr lang="en-CA" dirty="0" smtClean="0"/>
+              <a:t>Add error handling to provide a suitable error message if the file specified by the user could not be found</a:t>
+            </a:r>
+          </a:p>
+        </p:txBody>
+      </p:sp>
+    </p:spTree>
+    <p:extLst>
+      <p:ext uri="{BB962C8B-B14F-4D97-AF65-F5344CB8AC3E}">
+        <p14:creationId xmlns:p14="http://schemas.microsoft.com/office/powerpoint/2010/main" val="2557123206"/>
+      </p:ext>
+    </p:extLst>
+  </p:cSld>
+  <p:clrMapOvr>
+    <a:masterClrMapping/>
+  </p:clrMapOvr>
+  <p:timing>
+    <p:tnLst>
+      <p:par>
+        <p:cTn id="1" dur="indefinite" restart="never" nodeType="tmRoot"/>
+      </p:par>
+    </p:tnLst>
+  </p:timing>
+</p:sld>
+</file>
+
+<file path=ppt/slides/slide31.xml><?xml version="1.0" encoding="utf-8"?>
+<p:sld xmlns:a="http://schemas.openxmlformats.org/drawingml/2006/main" xmlns:r="http://schemas.openxmlformats.org/officeDocument/2006/relationships" xmlns:p="http://schemas.openxmlformats.org/presentationml/2006/main">
+  <p:cSld>
+    <p:spTree>
+      <p:nvGrpSpPr>
+        <p:cNvPr id="1" name=""/>
+        <p:cNvGrpSpPr/>
+        <p:nvPr/>
+      </p:nvGrpSpPr>
+      <p:grpSpPr>
+        <a:xfrm>
+          <a:off x="0" y="0"/>
+          <a:ext cx="0" cy="0"/>
+          <a:chOff x="0" y="0"/>
+          <a:chExt cx="0" cy="0"/>
+        </a:xfrm>
+      </p:grpSpPr>
+      <p:pic>
+        <p:nvPicPr>
+          <p:cNvPr id="6" name="Content Placeholder 5"/>
+          <p:cNvPicPr>
+            <a:picLocks noGrp="1" noChangeAspect="1"/>
+          </p:cNvPicPr>
+          <p:nvPr>
+            <p:ph sz="half" idx="2"/>
+          </p:nvPr>
+        </p:nvPicPr>
+        <p:blipFill>
+          <a:blip r:embed="rId2" cstate="print">
+            <a:extLst>
+              <a:ext uri="{28A0092B-C50C-407E-A947-70E740481C1C}">
+                <a14:useLocalDpi xmlns:a14="http://schemas.microsoft.com/office/drawing/2010/main" val="0"/>
+              </a:ext>
+            </a:extLst>
+          </a:blip>
+          <a:stretch>
+            <a:fillRect/>
+          </a:stretch>
+        </p:blipFill>
+        <p:spPr>
+          <a:xfrm>
+            <a:off x="1029907" y="1781908"/>
+            <a:ext cx="4480303" cy="3985845"/>
+          </a:xfrm>
+        </p:spPr>
+      </p:pic>
+      <p:sp>
+        <p:nvSpPr>
+          <p:cNvPr id="5" name="Content Placeholder 4"/>
+          <p:cNvSpPr>
+            <a:spLocks noGrp="1"/>
+          </p:cNvSpPr>
+          <p:nvPr>
+            <p:ph sz="quarter" idx="4"/>
+          </p:nvPr>
+        </p:nvSpPr>
+        <p:spPr/>
+        <p:txBody>
+          <a:bodyPr/>
+          <a:lstStyle/>
+          <a:p>
+            <a:r>
+              <a:rPr lang="en-CA" dirty="0" smtClean="0"/>
+              <a:t>You can now handle errors gracefully so your code doesn’t crash</a:t>
+            </a:r>
+            <a:endParaRPr lang="en-US" dirty="0"/>
+          </a:p>
+        </p:txBody>
+      </p:sp>
+      <p:sp>
+        <p:nvSpPr>
+          <p:cNvPr id="2" name="Title 1"/>
+          <p:cNvSpPr>
+            <a:spLocks noGrp="1"/>
+          </p:cNvSpPr>
+          <p:nvPr>
+            <p:ph type="title"/>
+          </p:nvPr>
+        </p:nvSpPr>
+        <p:spPr/>
+        <p:txBody>
+          <a:bodyPr/>
+          <a:lstStyle/>
+          <a:p>
+            <a:r>
+              <a:rPr lang="en-CA" dirty="0" smtClean="0"/>
+              <a:t>Congratulations</a:t>
+            </a:r>
+            <a:endParaRPr lang="en-US" dirty="0"/>
+          </a:p>
+        </p:txBody>
+      </p:sp>
+    </p:spTree>
+    <p:extLst>
+      <p:ext uri="{BB962C8B-B14F-4D97-AF65-F5344CB8AC3E}">
+        <p14:creationId xmlns:p14="http://schemas.microsoft.com/office/powerpoint/2010/main" val="1965120233"/>
+      </p:ext>
+    </p:extLst>
+  </p:cSld>
+  <p:clrMapOvr>
+    <a:masterClrMapping/>
+  </p:clrMapOvr>
+  <p:timing>
+    <p:tnLst>
+      <p:par>
+        <p:cTn id="1" dur="indefinite" restart="never" nodeType="tmRoot"/>
+      </p:par>
+    </p:tnLst>
+  </p:timing>
+</p:sld>
+</file>
+
+<file path=ppt/slides/slide32.xml><?xml version="1.0" encoding="utf-8"?>
+<p:sld xmlns:a="http://schemas.openxmlformats.org/drawingml/2006/main" xmlns:r="http://schemas.openxmlformats.org/officeDocument/2006/relationships" xmlns:p="http://schemas.openxmlformats.org/presentationml/2006/main">
+  <p:cSld>
+    <p:spTree>
+      <p:nvGrpSpPr>
+        <p:cNvPr id="1" name=""/>
+        <p:cNvGrpSpPr/>
+        <p:nvPr/>
+      </p:nvGrpSpPr>
+      <p:grpSpPr>
+        <a:xfrm>
+          <a:off x="0" y="0"/>
+          <a:ext cx="0" cy="0"/>
+          <a:chOff x="0" y="0"/>
+          <a:chExt cx="0" cy="0"/>
+        </a:xfrm>
+      </p:grpSpPr>
     </p:spTree>
     <p:extLst>
       <p:ext uri="{BB962C8B-B14F-4D97-AF65-F5344CB8AC3E}">
@@ -16389,6 +16821,78 @@
 </file>
 
 <file path=ppt/slides/slide4.xml><?xml version="1.0" encoding="utf-8"?>
+<p:sld xmlns:a="http://schemas.openxmlformats.org/drawingml/2006/main" xmlns:r="http://schemas.openxmlformats.org/officeDocument/2006/relationships" xmlns:p="http://schemas.openxmlformats.org/presentationml/2006/main">
+  <p:cSld>
+    <p:spTree>
+      <p:nvGrpSpPr>
+        <p:cNvPr id="1" name=""/>
+        <p:cNvGrpSpPr/>
+        <p:nvPr/>
+      </p:nvGrpSpPr>
+      <p:grpSpPr>
+        <a:xfrm>
+          <a:off x="0" y="0"/>
+          <a:ext cx="0" cy="0"/>
+          <a:chOff x="0" y="0"/>
+          <a:chExt cx="0" cy="0"/>
+        </a:xfrm>
+      </p:grpSpPr>
+      <p:sp>
+        <p:nvSpPr>
+          <p:cNvPr id="5" name="Text Placeholder 4"/>
+          <p:cNvSpPr>
+            <a:spLocks noGrp="1"/>
+          </p:cNvSpPr>
+          <p:nvPr>
+            <p:ph type="body" sz="quarter" idx="10"/>
+          </p:nvPr>
+        </p:nvSpPr>
+        <p:spPr/>
+        <p:txBody>
+          <a:bodyPr/>
+          <a:lstStyle/>
+          <a:p>
+            <a:r>
+              <a:rPr lang="en-US" dirty="0" smtClean="0"/>
+              <a:t>Error types</a:t>
+            </a:r>
+            <a:endParaRPr lang="en-US" dirty="0"/>
+          </a:p>
+        </p:txBody>
+      </p:sp>
+      <p:sp>
+        <p:nvSpPr>
+          <p:cNvPr id="4" name="Subtitle 3"/>
+          <p:cNvSpPr>
+            <a:spLocks noGrp="1"/>
+          </p:cNvSpPr>
+          <p:nvPr>
+            <p:ph type="subTitle" idx="1"/>
+          </p:nvPr>
+        </p:nvSpPr>
+        <p:spPr/>
+        <p:txBody>
+          <a:bodyPr/>
+          <a:lstStyle/>
+          <a:p>
+            <a:endParaRPr lang="en-US"/>
+          </a:p>
+        </p:txBody>
+      </p:sp>
+    </p:spTree>
+    <p:extLst>
+      <p:ext uri="{BB962C8B-B14F-4D97-AF65-F5344CB8AC3E}">
+        <p14:creationId xmlns:p14="http://schemas.microsoft.com/office/powerpoint/2010/main" val="1513894311"/>
+      </p:ext>
+    </p:extLst>
+  </p:cSld>
+  <p:clrMapOvr>
+    <a:masterClrMapping/>
+  </p:clrMapOvr>
+</p:sld>
+</file>
+
+<file path=ppt/slides/slide5.xml><?xml version="1.0" encoding="utf-8"?>
 <p:sld xmlns:a="http://schemas.openxmlformats.org/drawingml/2006/main" xmlns:r="http://schemas.openxmlformats.org/officeDocument/2006/relationships" xmlns:p="http://schemas.openxmlformats.org/presentationml/2006/main">
   <p:cSld>
     <p:spTree>
@@ -16609,7 +17113,7 @@
 </p:sld>
 </file>
 
-<file path=ppt/slides/slide5.xml><?xml version="1.0" encoding="utf-8"?>
+<file path=ppt/slides/slide6.xml><?xml version="1.0" encoding="utf-8"?>
 <p:sld xmlns:a="http://schemas.openxmlformats.org/drawingml/2006/main" xmlns:r="http://schemas.openxmlformats.org/officeDocument/2006/relationships" xmlns:p="http://schemas.openxmlformats.org/presentationml/2006/main">
   <p:cSld>
     <p:spTree>
@@ -16832,7 +17336,7 @@
 </p:sld>
 </file>
 
-<file path=ppt/slides/slide6.xml><?xml version="1.0" encoding="utf-8"?>
+<file path=ppt/slides/slide7.xml><?xml version="1.0" encoding="utf-8"?>
 <p:sld xmlns:a="http://schemas.openxmlformats.org/drawingml/2006/main" xmlns:r="http://schemas.openxmlformats.org/officeDocument/2006/relationships" xmlns:p="http://schemas.openxmlformats.org/presentationml/2006/main">
   <p:cSld>
     <p:spTree>
@@ -17374,7 +17878,7 @@
 </p:sld>
 </file>
 
-<file path=ppt/slides/slide7.xml><?xml version="1.0" encoding="utf-8"?>
+<file path=ppt/slides/slide8.xml><?xml version="1.0" encoding="utf-8"?>
 <p:sld xmlns:a="http://schemas.openxmlformats.org/drawingml/2006/main" xmlns:r="http://schemas.openxmlformats.org/officeDocument/2006/relationships" xmlns:p="http://schemas.openxmlformats.org/presentationml/2006/main">
   <p:cSld>
     <p:spTree>
@@ -17427,276 +17931,6 @@
 </p:sld>
 </file>
 
-<file path=ppt/slides/slide8.xml><?xml version="1.0" encoding="utf-8"?>
-<p:sld xmlns:a="http://schemas.openxmlformats.org/drawingml/2006/main" xmlns:r="http://schemas.openxmlformats.org/officeDocument/2006/relationships" xmlns:p="http://schemas.openxmlformats.org/presentationml/2006/main">
-  <p:cSld>
-    <p:spTree>
-      <p:nvGrpSpPr>
-        <p:cNvPr id="1" name=""/>
-        <p:cNvGrpSpPr/>
-        <p:nvPr/>
-      </p:nvGrpSpPr>
-      <p:grpSpPr>
-        <a:xfrm>
-          <a:off x="0" y="0"/>
-          <a:ext cx="0" cy="0"/>
-          <a:chOff x="0" y="0"/>
-          <a:chExt cx="0" cy="0"/>
-        </a:xfrm>
-      </p:grpSpPr>
-      <p:sp>
-        <p:nvSpPr>
-          <p:cNvPr id="2" name="Title 1"/>
-          <p:cNvSpPr>
-            <a:spLocks noGrp="1"/>
-          </p:cNvSpPr>
-          <p:nvPr>
-            <p:ph type="title"/>
-          </p:nvPr>
-        </p:nvSpPr>
-        <p:spPr/>
-        <p:txBody>
-          <a:bodyPr>
-            <a:normAutofit fontScale="90000"/>
-          </a:bodyPr>
-          <a:lstStyle/>
-          <a:p>
-            <a:r>
-              <a:rPr lang="en-CA" dirty="0" smtClean="0"/>
-              <a:t>Runtime errors occur when the code basically works but something out of the ordinary ‘crashes’ the code</a:t>
-            </a:r>
-            <a:endParaRPr lang="en-US" dirty="0"/>
-          </a:p>
-        </p:txBody>
-      </p:sp>
-      <p:sp>
-        <p:nvSpPr>
-          <p:cNvPr id="3" name="Content Placeholder 2"/>
-          <p:cNvSpPr>
-            <a:spLocks noGrp="1"/>
-          </p:cNvSpPr>
-          <p:nvPr>
-            <p:ph sz="quarter" idx="10"/>
-          </p:nvPr>
-        </p:nvSpPr>
-        <p:spPr/>
-        <p:txBody>
-          <a:bodyPr/>
-          <a:lstStyle/>
-          <a:p>
-            <a:r>
-              <a:rPr lang="en-CA" dirty="0" smtClean="0"/>
-              <a:t>You write a calculator program and a user tries to divide a number by zero</a:t>
-            </a:r>
-          </a:p>
-          <a:p>
-            <a:r>
-              <a:rPr lang="en-CA" dirty="0" smtClean="0"/>
-              <a:t>Your program tries to read a file, and the file is missing</a:t>
-            </a:r>
-          </a:p>
-          <a:p>
-            <a:r>
-              <a:rPr lang="en-CA" dirty="0" smtClean="0"/>
-              <a:t>Your program is trying to perform a date calculation and the date provided is in the wrong format</a:t>
-            </a:r>
-            <a:endParaRPr lang="en-US" dirty="0"/>
-          </a:p>
-        </p:txBody>
-      </p:sp>
-    </p:spTree>
-    <p:extLst>
-      <p:ext uri="{BB962C8B-B14F-4D97-AF65-F5344CB8AC3E}">
-        <p14:creationId xmlns:p14="http://schemas.microsoft.com/office/powerpoint/2010/main" val="3868239994"/>
-      </p:ext>
-    </p:extLst>
-  </p:cSld>
-  <p:clrMapOvr>
-    <a:masterClrMapping/>
-  </p:clrMapOvr>
-  <p:timing>
-    <p:tnLst>
-      <p:par>
-        <p:cTn id="1" dur="indefinite" restart="never" nodeType="tmRoot">
-          <p:childTnLst>
-            <p:seq concurrent="1" nextAc="seek">
-              <p:cTn id="2" dur="indefinite" nodeType="mainSeq">
-                <p:childTnLst>
-                  <p:par>
-                    <p:cTn id="3" fill="hold">
-                      <p:stCondLst>
-                        <p:cond delay="indefinite"/>
-                      </p:stCondLst>
-                      <p:childTnLst>
-                        <p:par>
-                          <p:cTn id="4" fill="hold">
-                            <p:stCondLst>
-                              <p:cond delay="0"/>
-                            </p:stCondLst>
-                            <p:childTnLst>
-                              <p:par>
-                                <p:cTn id="5" presetID="1" presetClass="entr" presetSubtype="0" fill="hold" grpId="0" nodeType="clickEffect">
-                                  <p:stCondLst>
-                                    <p:cond delay="0"/>
-                                  </p:stCondLst>
-                                  <p:childTnLst>
-                                    <p:set>
-                                      <p:cBhvr>
-                                        <p:cTn id="6" dur="1" fill="hold">
-                                          <p:stCondLst>
-                                            <p:cond delay="0"/>
-                                          </p:stCondLst>
-                                        </p:cTn>
-                                        <p:tgtEl>
-                                          <p:spTgt spid="3">
-                                            <p:txEl>
-                                              <p:pRg st="0" end="0"/>
-                                            </p:txEl>
-                                          </p:spTgt>
-                                        </p:tgtEl>
-                                        <p:attrNameLst>
-                                          <p:attrName>style.visibility</p:attrName>
-                                        </p:attrNameLst>
-                                      </p:cBhvr>
-                                      <p:to>
-                                        <p:strVal val="visible"/>
-                                      </p:to>
-                                    </p:set>
-                                  </p:childTnLst>
-                                </p:cTn>
-                              </p:par>
-                            </p:childTnLst>
-                          </p:cTn>
-                        </p:par>
-                      </p:childTnLst>
-                    </p:cTn>
-                  </p:par>
-                  <p:par>
-                    <p:cTn id="7" fill="hold">
-                      <p:stCondLst>
-                        <p:cond delay="indefinite"/>
-                      </p:stCondLst>
-                      <p:childTnLst>
-                        <p:par>
-                          <p:cTn id="8" fill="hold">
-                            <p:stCondLst>
-                              <p:cond delay="0"/>
-                            </p:stCondLst>
-                            <p:childTnLst>
-                              <p:par>
-                                <p:cTn id="9" presetID="1" presetClass="entr" presetSubtype="0" fill="hold" grpId="0" nodeType="clickEffect">
-                                  <p:stCondLst>
-                                    <p:cond delay="0"/>
-                                  </p:stCondLst>
-                                  <p:childTnLst>
-                                    <p:set>
-                                      <p:cBhvr>
-                                        <p:cTn id="10" dur="1" fill="hold">
-                                          <p:stCondLst>
-                                            <p:cond delay="0"/>
-                                          </p:stCondLst>
-                                        </p:cTn>
-                                        <p:tgtEl>
-                                          <p:spTgt spid="3">
-                                            <p:txEl>
-                                              <p:pRg st="1" end="1"/>
-                                            </p:txEl>
-                                          </p:spTgt>
-                                        </p:tgtEl>
-                                        <p:attrNameLst>
-                                          <p:attrName>style.visibility</p:attrName>
-                                        </p:attrNameLst>
-                                      </p:cBhvr>
-                                      <p:to>
-                                        <p:strVal val="visible"/>
-                                      </p:to>
-                                    </p:set>
-                                  </p:childTnLst>
-                                </p:cTn>
-                              </p:par>
-                            </p:childTnLst>
-                          </p:cTn>
-                        </p:par>
-                      </p:childTnLst>
-                    </p:cTn>
-                  </p:par>
-                  <p:par>
-                    <p:cTn id="11" fill="hold">
-                      <p:stCondLst>
-                        <p:cond delay="indefinite"/>
-                      </p:stCondLst>
-                      <p:childTnLst>
-                        <p:par>
-                          <p:cTn id="12" fill="hold">
-                            <p:stCondLst>
-                              <p:cond delay="0"/>
-                            </p:stCondLst>
-                            <p:childTnLst>
-                              <p:par>
-                                <p:cTn id="13" presetID="1" presetClass="entr" presetSubtype="0" fill="hold" grpId="0" nodeType="clickEffect">
-                                  <p:stCondLst>
-                                    <p:cond delay="0"/>
-                                  </p:stCondLst>
-                                  <p:childTnLst>
-                                    <p:set>
-                                      <p:cBhvr>
-                                        <p:cTn id="14" dur="1" fill="hold">
-                                          <p:stCondLst>
-                                            <p:cond delay="0"/>
-                                          </p:stCondLst>
-                                        </p:cTn>
-                                        <p:tgtEl>
-                                          <p:spTgt spid="3">
-                                            <p:txEl>
-                                              <p:pRg st="2" end="2"/>
-                                            </p:txEl>
-                                          </p:spTgt>
-                                        </p:tgtEl>
-                                        <p:attrNameLst>
-                                          <p:attrName>style.visibility</p:attrName>
-                                        </p:attrNameLst>
-                                      </p:cBhvr>
-                                      <p:to>
-                                        <p:strVal val="visible"/>
-                                      </p:to>
-                                    </p:set>
-                                  </p:childTnLst>
-                                </p:cTn>
-                              </p:par>
-                            </p:childTnLst>
-                          </p:cTn>
-                        </p:par>
-                      </p:childTnLst>
-                    </p:cTn>
-                  </p:par>
-                </p:childTnLst>
-              </p:cTn>
-              <p:prevCondLst>
-                <p:cond evt="onPrev" delay="0">
-                  <p:tgtEl>
-                    <p:sldTgt/>
-                  </p:tgtEl>
-                </p:cond>
-              </p:prevCondLst>
-              <p:nextCondLst>
-                <p:cond evt="onNext" delay="0">
-                  <p:tgtEl>
-                    <p:sldTgt/>
-                  </p:tgtEl>
-                </p:cond>
-              </p:nextCondLst>
-            </p:seq>
-          </p:childTnLst>
-        </p:cTn>
-      </p:par>
-    </p:tnLst>
-    <p:bldLst>
-      <p:bldP spid="3" grpId="0" build="p"/>
-    </p:bldLst>
-  </p:timing>
-</p:sld>
-</file>
-
 <file path=ppt/slides/slide9.xml><?xml version="1.0" encoding="utf-8"?>
 <p:sld xmlns:a="http://schemas.openxmlformats.org/drawingml/2006/main" xmlns:r="http://schemas.openxmlformats.org/officeDocument/2006/relationships" xmlns:p="http://schemas.openxmlformats.org/presentationml/2006/main">
   <p:cSld>
@@ -17716,37 +17950,12 @@
       </p:grpSpPr>
       <p:sp>
         <p:nvSpPr>
-          <p:cNvPr id="2" name="Title 1"/>
+          <p:cNvPr id="4" name="Text Placeholder 3"/>
           <p:cNvSpPr>
             <a:spLocks noGrp="1"/>
           </p:cNvSpPr>
           <p:nvPr>
-            <p:ph type="title"/>
-          </p:nvPr>
-        </p:nvSpPr>
-        <p:spPr/>
-        <p:txBody>
-          <a:bodyPr>
-            <a:normAutofit fontScale="90000"/>
-          </a:bodyPr>
-          <a:lstStyle/>
-          <a:p>
-            <a:r>
-              <a:rPr lang="en-CA" dirty="0" smtClean="0"/>
-              <a:t>Having your code crash is a very poor experience for the user</a:t>
-            </a:r>
-            <a:endParaRPr lang="en-US" dirty="0"/>
-          </a:p>
-        </p:txBody>
-      </p:sp>
-      <p:sp>
-        <p:nvSpPr>
-          <p:cNvPr id="3" name="Content Placeholder 2"/>
-          <p:cNvSpPr>
-            <a:spLocks noGrp="1"/>
-          </p:cNvSpPr>
-          <p:nvPr>
-            <p:ph sz="quarter" idx="10"/>
+            <p:ph type="body" sz="quarter" idx="10"/>
           </p:nvPr>
         </p:nvSpPr>
         <p:spPr/>
@@ -17755,105 +17964,42 @@
           <a:lstStyle/>
           <a:p>
             <a:r>
-              <a:rPr lang="en-CA" dirty="0" smtClean="0"/>
-              <a:t>You can add error handling to your code to handle runtime errors gracefully</a:t>
+              <a:rPr lang="en-US" dirty="0" smtClean="0"/>
+              <a:t>Gracefully handling errors</a:t>
             </a:r>
             <a:endParaRPr lang="en-US" dirty="0"/>
+          </a:p>
+        </p:txBody>
+      </p:sp>
+      <p:sp>
+        <p:nvSpPr>
+          <p:cNvPr id="3" name="Subtitle 2"/>
+          <p:cNvSpPr>
+            <a:spLocks noGrp="1"/>
+          </p:cNvSpPr>
+          <p:nvPr>
+            <p:ph type="subTitle" idx="1"/>
+          </p:nvPr>
+        </p:nvSpPr>
+        <p:spPr/>
+        <p:txBody>
+          <a:bodyPr/>
+          <a:lstStyle/>
+          <a:p>
+            <a:endParaRPr lang="en-US"/>
           </a:p>
         </p:txBody>
       </p:sp>
     </p:spTree>
     <p:extLst>
       <p:ext uri="{BB962C8B-B14F-4D97-AF65-F5344CB8AC3E}">
-        <p14:creationId xmlns:p14="http://schemas.microsoft.com/office/powerpoint/2010/main" val="3882260877"/>
+        <p14:creationId xmlns:p14="http://schemas.microsoft.com/office/powerpoint/2010/main" val="1292847386"/>
       </p:ext>
     </p:extLst>
   </p:cSld>
   <p:clrMapOvr>
     <a:masterClrMapping/>
   </p:clrMapOvr>
-  <p:timing>
-    <p:tnLst>
-      <p:par>
-        <p:cTn id="1" dur="indefinite" restart="never" nodeType="tmRoot">
-          <p:childTnLst>
-            <p:seq concurrent="1" nextAc="seek">
-              <p:cTn id="2" dur="indefinite" nodeType="mainSeq">
-                <p:childTnLst>
-                  <p:par>
-                    <p:cTn id="3" fill="hold">
-                      <p:stCondLst>
-                        <p:cond delay="indefinite"/>
-                      </p:stCondLst>
-                      <p:childTnLst>
-                        <p:par>
-                          <p:cTn id="4" fill="hold">
-                            <p:stCondLst>
-                              <p:cond delay="0"/>
-                            </p:stCondLst>
-                            <p:childTnLst>
-                              <p:par>
-                                <p:cTn id="5" presetID="1" presetClass="entr" presetSubtype="0" fill="hold" grpId="0" nodeType="clickEffect">
-                                  <p:stCondLst>
-                                    <p:cond delay="0"/>
-                                  </p:stCondLst>
-                                  <p:childTnLst>
-                                    <p:set>
-                                      <p:cBhvr>
-                                        <p:cTn id="6" dur="1" fill="hold">
-                                          <p:stCondLst>
-                                            <p:cond delay="0"/>
-                                          </p:stCondLst>
-                                        </p:cTn>
-                                        <p:tgtEl>
-                                          <p:spTgt spid="3">
-                                            <p:txEl>
-                                              <p:pRg st="0" end="0"/>
-                                            </p:txEl>
-                                          </p:spTgt>
-                                        </p:tgtEl>
-                                        <p:attrNameLst>
-                                          <p:attrName>style.visibility</p:attrName>
-                                        </p:attrNameLst>
-                                      </p:cBhvr>
-                                      <p:to>
-                                        <p:strVal val="visible"/>
-                                      </p:to>
-                                    </p:set>
-                                  </p:childTnLst>
-                                </p:cTn>
-                              </p:par>
-                            </p:childTnLst>
-                          </p:cTn>
-                        </p:par>
-                      </p:childTnLst>
-                    </p:cTn>
-                  </p:par>
-                </p:childTnLst>
-              </p:cTn>
-              <p:prevCondLst>
-                <p:cond evt="onPrev" delay="0">
-                  <p:tgtEl>
-                    <p:sldTgt/>
-                  </p:tgtEl>
-                </p:cond>
-              </p:prevCondLst>
-              <p:nextCondLst>
-                <p:cond evt="onNext" delay="0">
-                  <p:tgtEl>
-                    <p:sldTgt/>
-                  </p:tgtEl>
-                </p:cond>
-              </p:nextCondLst>
-            </p:seq>
-          </p:childTnLst>
-        </p:cTn>
-      </p:par>
-    </p:tnLst>
-    <p:bldLst>
-      <p:bldP spid="3" grpId="0" build="p"/>
-    </p:bldLst>
-  </p:timing>
 </p:sld>
 </file>
 
